--- a/src/Presentation.pptx
+++ b/src/Presentation.pptx
@@ -16,13 +16,11 @@
     <p:sldId id="267" r:id="rId10"/>
     <p:sldId id="269" r:id="rId11"/>
     <p:sldId id="268" r:id="rId12"/>
-    <p:sldId id="270" r:id="rId13"/>
-    <p:sldId id="273" r:id="rId14"/>
-    <p:sldId id="272" r:id="rId15"/>
-    <p:sldId id="274" r:id="rId16"/>
-    <p:sldId id="275" r:id="rId17"/>
-    <p:sldId id="276" r:id="rId18"/>
-    <p:sldId id="258" r:id="rId19"/>
+    <p:sldId id="273" r:id="rId13"/>
+    <p:sldId id="272" r:id="rId14"/>
+    <p:sldId id="274" r:id="rId15"/>
+    <p:sldId id="275" r:id="rId16"/>
+    <p:sldId id="258" r:id="rId17"/>
   </p:sldIdLst>
   <p:sldSz cx="12192000" cy="6858000"/>
   <p:notesSz cx="6858000" cy="9144000"/>
@@ -179,7 +177,7 @@
           <a:noFill/>
           <a:extLst>
             <a:ext uri="{909E8E84-426E-40dd-AFC4-6F175D3DCCD1}">
-              <a14:hiddenFill xmlns="" xmlns:a14="http://schemas.microsoft.com/office/drawing/2010/main">
+              <a14:hiddenFill xmlns:a14="http://schemas.microsoft.com/office/drawing/2010/main" xmlns="">
                 <a:solidFill>
                   <a:srgbClr val="FFFFFF"/>
                 </a:solidFill>
@@ -239,7 +237,7 @@
             </a:ln>
             <a:extLst>
               <a:ext uri="{91240B29-F687-4f45-9708-019B960494DF}">
-                <a14:hiddenLine xmlns="" xmlns:a14="http://schemas.microsoft.com/office/drawing/2010/main" w="9525">
+                <a14:hiddenLine xmlns:a14="http://schemas.microsoft.com/office/drawing/2010/main" xmlns="" w="9525">
                   <a:solidFill>
                     <a:srgbClr val="000000"/>
                   </a:solidFill>
@@ -329,7 +327,7 @@
             </a:ln>
             <a:extLst>
               <a:ext uri="{91240B29-F687-4f45-9708-019B960494DF}">
-                <a14:hiddenLine xmlns="" xmlns:a14="http://schemas.microsoft.com/office/drawing/2010/main" w="9525">
+                <a14:hiddenLine xmlns:a14="http://schemas.microsoft.com/office/drawing/2010/main" xmlns="" w="9525">
                   <a:solidFill>
                     <a:srgbClr val="000000"/>
                   </a:solidFill>
@@ -419,7 +417,7 @@
             </a:ln>
             <a:extLst>
               <a:ext uri="{91240B29-F687-4f45-9708-019B960494DF}">
-                <a14:hiddenLine xmlns="" xmlns:a14="http://schemas.microsoft.com/office/drawing/2010/main" w="9525">
+                <a14:hiddenLine xmlns:a14="http://schemas.microsoft.com/office/drawing/2010/main" xmlns="" w="9525">
                   <a:solidFill>
                     <a:srgbClr val="000000"/>
                   </a:solidFill>
@@ -453,7 +451,7 @@
             </a:ln>
             <a:extLst>
               <a:ext uri="{91240B29-F687-4f45-9708-019B960494DF}">
-                <a14:hiddenLine xmlns="" xmlns:a14="http://schemas.microsoft.com/office/drawing/2010/main" w="9525">
+                <a14:hiddenLine xmlns:a14="http://schemas.microsoft.com/office/drawing/2010/main" xmlns="" w="9525">
                   <a:solidFill>
                     <a:srgbClr val="000000"/>
                   </a:solidFill>
@@ -543,7 +541,7 @@
             </a:ln>
             <a:extLst>
               <a:ext uri="{91240B29-F687-4f45-9708-019B960494DF}">
-                <a14:hiddenLine xmlns="" xmlns:a14="http://schemas.microsoft.com/office/drawing/2010/main" w="9525">
+                <a14:hiddenLine xmlns:a14="http://schemas.microsoft.com/office/drawing/2010/main" xmlns="" w="9525">
                   <a:solidFill>
                     <a:srgbClr val="000000"/>
                   </a:solidFill>
@@ -605,7 +603,7 @@
             </a:ln>
             <a:extLst>
               <a:ext uri="{91240B29-F687-4f45-9708-019B960494DF}">
-                <a14:hiddenLine xmlns="" xmlns:a14="http://schemas.microsoft.com/office/drawing/2010/main" w="9525">
+                <a14:hiddenLine xmlns:a14="http://schemas.microsoft.com/office/drawing/2010/main" xmlns="" w="9525">
                   <a:solidFill>
                     <a:srgbClr val="000000"/>
                   </a:solidFill>
@@ -667,7 +665,7 @@
             </a:ln>
             <a:extLst>
               <a:ext uri="{91240B29-F687-4f45-9708-019B960494DF}">
-                <a14:hiddenLine xmlns="" xmlns:a14="http://schemas.microsoft.com/office/drawing/2010/main" w="9525">
+                <a14:hiddenLine xmlns:a14="http://schemas.microsoft.com/office/drawing/2010/main" xmlns="" w="9525">
                   <a:solidFill>
                     <a:srgbClr val="000000"/>
                   </a:solidFill>
@@ -757,7 +755,7 @@
             </a:ln>
             <a:extLst>
               <a:ext uri="{91240B29-F687-4f45-9708-019B960494DF}">
-                <a14:hiddenLine xmlns="" xmlns:a14="http://schemas.microsoft.com/office/drawing/2010/main" w="9525">
+                <a14:hiddenLine xmlns:a14="http://schemas.microsoft.com/office/drawing/2010/main" xmlns="" w="9525">
                   <a:solidFill>
                     <a:srgbClr val="000000"/>
                   </a:solidFill>
@@ -819,7 +817,7 @@
             </a:ln>
             <a:extLst>
               <a:ext uri="{91240B29-F687-4f45-9708-019B960494DF}">
-                <a14:hiddenLine xmlns="" xmlns:a14="http://schemas.microsoft.com/office/drawing/2010/main" w="9525">
+                <a14:hiddenLine xmlns:a14="http://schemas.microsoft.com/office/drawing/2010/main" xmlns="" w="9525">
                   <a:solidFill>
                     <a:srgbClr val="000000"/>
                   </a:solidFill>
@@ -881,7 +879,7 @@
             </a:ln>
             <a:extLst>
               <a:ext uri="{91240B29-F687-4f45-9708-019B960494DF}">
-                <a14:hiddenLine xmlns="" xmlns:a14="http://schemas.microsoft.com/office/drawing/2010/main" w="9525">
+                <a14:hiddenLine xmlns:a14="http://schemas.microsoft.com/office/drawing/2010/main" xmlns="" w="9525">
                   <a:solidFill>
                     <a:srgbClr val="000000"/>
                   </a:solidFill>
@@ -971,7 +969,7 @@
             </a:ln>
             <a:extLst>
               <a:ext uri="{91240B29-F687-4f45-9708-019B960494DF}">
-                <a14:hiddenLine xmlns="" xmlns:a14="http://schemas.microsoft.com/office/drawing/2010/main" w="9525">
+                <a14:hiddenLine xmlns:a14="http://schemas.microsoft.com/office/drawing/2010/main" xmlns="" w="9525">
                   <a:solidFill>
                     <a:srgbClr val="000000"/>
                   </a:solidFill>
@@ -1061,7 +1059,7 @@
             </a:ln>
             <a:extLst>
               <a:ext uri="{91240B29-F687-4f45-9708-019B960494DF}">
-                <a14:hiddenLine xmlns="" xmlns:a14="http://schemas.microsoft.com/office/drawing/2010/main" w="9525">
+                <a14:hiddenLine xmlns:a14="http://schemas.microsoft.com/office/drawing/2010/main" xmlns="" w="9525">
                   <a:solidFill>
                     <a:srgbClr val="000000"/>
                   </a:solidFill>
@@ -1123,7 +1121,7 @@
             </a:ln>
             <a:extLst>
               <a:ext uri="{91240B29-F687-4f45-9708-019B960494DF}">
-                <a14:hiddenLine xmlns="" xmlns:a14="http://schemas.microsoft.com/office/drawing/2010/main" w="9525">
+                <a14:hiddenLine xmlns:a14="http://schemas.microsoft.com/office/drawing/2010/main" xmlns="" w="9525">
                   <a:solidFill>
                     <a:srgbClr val="000000"/>
                   </a:solidFill>
@@ -1233,7 +1231,7 @@
             </a:ln>
             <a:extLst>
               <a:ext uri="{91240B29-F687-4f45-9708-019B960494DF}">
-                <a14:hiddenLine xmlns="" xmlns:a14="http://schemas.microsoft.com/office/drawing/2010/main" w="9525">
+                <a14:hiddenLine xmlns:a14="http://schemas.microsoft.com/office/drawing/2010/main" xmlns="" w="9525">
                   <a:solidFill>
                     <a:srgbClr val="000000"/>
                   </a:solidFill>
@@ -1295,7 +1293,7 @@
             </a:ln>
             <a:extLst>
               <a:ext uri="{91240B29-F687-4f45-9708-019B960494DF}">
-                <a14:hiddenLine xmlns="" xmlns:a14="http://schemas.microsoft.com/office/drawing/2010/main" w="9525">
+                <a14:hiddenLine xmlns:a14="http://schemas.microsoft.com/office/drawing/2010/main" xmlns="" w="9525">
                   <a:solidFill>
                     <a:srgbClr val="000000"/>
                   </a:solidFill>
@@ -1385,7 +1383,7 @@
             </a:ln>
             <a:extLst>
               <a:ext uri="{91240B29-F687-4f45-9708-019B960494DF}">
-                <a14:hiddenLine xmlns="" xmlns:a14="http://schemas.microsoft.com/office/drawing/2010/main" w="9525">
+                <a14:hiddenLine xmlns:a14="http://schemas.microsoft.com/office/drawing/2010/main" xmlns="" w="9525">
                   <a:solidFill>
                     <a:srgbClr val="000000"/>
                   </a:solidFill>
@@ -1475,7 +1473,7 @@
             </a:ln>
             <a:extLst>
               <a:ext uri="{91240B29-F687-4f45-9708-019B960494DF}">
-                <a14:hiddenLine xmlns="" xmlns:a14="http://schemas.microsoft.com/office/drawing/2010/main" w="9525">
+                <a14:hiddenLine xmlns:a14="http://schemas.microsoft.com/office/drawing/2010/main" xmlns="" w="9525">
                   <a:solidFill>
                     <a:srgbClr val="000000"/>
                   </a:solidFill>
@@ -1537,7 +1535,7 @@
             </a:ln>
             <a:extLst>
               <a:ext uri="{91240B29-F687-4f45-9708-019B960494DF}">
-                <a14:hiddenLine xmlns="" xmlns:a14="http://schemas.microsoft.com/office/drawing/2010/main" w="9525">
+                <a14:hiddenLine xmlns:a14="http://schemas.microsoft.com/office/drawing/2010/main" xmlns="" w="9525">
                   <a:solidFill>
                     <a:srgbClr val="000000"/>
                   </a:solidFill>
@@ -1627,7 +1625,7 @@
             </a:ln>
             <a:extLst>
               <a:ext uri="{91240B29-F687-4f45-9708-019B960494DF}">
-                <a14:hiddenLine xmlns="" xmlns:a14="http://schemas.microsoft.com/office/drawing/2010/main" w="9525">
+                <a14:hiddenLine xmlns:a14="http://schemas.microsoft.com/office/drawing/2010/main" xmlns="" w="9525">
                   <a:solidFill>
                     <a:srgbClr val="000000"/>
                   </a:solidFill>
@@ -1717,7 +1715,7 @@
             </a:ln>
             <a:extLst>
               <a:ext uri="{91240B29-F687-4f45-9708-019B960494DF}">
-                <a14:hiddenLine xmlns="" xmlns:a14="http://schemas.microsoft.com/office/drawing/2010/main" w="9525">
+                <a14:hiddenLine xmlns:a14="http://schemas.microsoft.com/office/drawing/2010/main" xmlns="" w="9525">
                   <a:solidFill>
                     <a:srgbClr val="000000"/>
                   </a:solidFill>
@@ -1773,7 +1771,7 @@
             </a:ln>
             <a:extLst>
               <a:ext uri="{91240B29-F687-4f45-9708-019B960494DF}">
-                <a14:hiddenLine xmlns="" xmlns:a14="http://schemas.microsoft.com/office/drawing/2010/main" w="9525">
+                <a14:hiddenLine xmlns:a14="http://schemas.microsoft.com/office/drawing/2010/main" xmlns="" w="9525">
                   <a:solidFill>
                     <a:srgbClr val="000000"/>
                   </a:solidFill>
@@ -1863,7 +1861,7 @@
             </a:ln>
             <a:extLst>
               <a:ext uri="{91240B29-F687-4f45-9708-019B960494DF}">
-                <a14:hiddenLine xmlns="" xmlns:a14="http://schemas.microsoft.com/office/drawing/2010/main" w="9525">
+                <a14:hiddenLine xmlns:a14="http://schemas.microsoft.com/office/drawing/2010/main" xmlns="" w="9525">
                   <a:solidFill>
                     <a:srgbClr val="000000"/>
                   </a:solidFill>
@@ -1919,7 +1917,7 @@
             </a:ln>
             <a:extLst>
               <a:ext uri="{91240B29-F687-4f45-9708-019B960494DF}">
-                <a14:hiddenLine xmlns="" xmlns:a14="http://schemas.microsoft.com/office/drawing/2010/main" w="9525">
+                <a14:hiddenLine xmlns:a14="http://schemas.microsoft.com/office/drawing/2010/main" xmlns="" w="9525">
                   <a:solidFill>
                     <a:srgbClr val="000000"/>
                   </a:solidFill>
@@ -2009,7 +2007,7 @@
             </a:ln>
             <a:extLst>
               <a:ext uri="{91240B29-F687-4f45-9708-019B960494DF}">
-                <a14:hiddenLine xmlns="" xmlns:a14="http://schemas.microsoft.com/office/drawing/2010/main" w="9525">
+                <a14:hiddenLine xmlns:a14="http://schemas.microsoft.com/office/drawing/2010/main" xmlns="" w="9525">
                   <a:solidFill>
                     <a:srgbClr val="000000"/>
                   </a:solidFill>
@@ -2077,7 +2075,7 @@
             </a:ln>
             <a:extLst>
               <a:ext uri="{91240B29-F687-4f45-9708-019B960494DF}">
-                <a14:hiddenLine xmlns="" xmlns:a14="http://schemas.microsoft.com/office/drawing/2010/main" w="9525">
+                <a14:hiddenLine xmlns:a14="http://schemas.microsoft.com/office/drawing/2010/main" xmlns="" w="9525">
                   <a:solidFill>
                     <a:srgbClr val="000000"/>
                   </a:solidFill>
@@ -2167,7 +2165,7 @@
             </a:ln>
             <a:extLst>
               <a:ext uri="{91240B29-F687-4f45-9708-019B960494DF}">
-                <a14:hiddenLine xmlns="" xmlns:a14="http://schemas.microsoft.com/office/drawing/2010/main" w="9525">
+                <a14:hiddenLine xmlns:a14="http://schemas.microsoft.com/office/drawing/2010/main" xmlns="" w="9525">
                   <a:solidFill>
                     <a:srgbClr val="000000"/>
                   </a:solidFill>
@@ -2235,7 +2233,7 @@
             </a:ln>
             <a:extLst>
               <a:ext uri="{91240B29-F687-4f45-9708-019B960494DF}">
-                <a14:hiddenLine xmlns="" xmlns:a14="http://schemas.microsoft.com/office/drawing/2010/main" w="9525">
+                <a14:hiddenLine xmlns:a14="http://schemas.microsoft.com/office/drawing/2010/main" xmlns="" w="9525">
                   <a:solidFill>
                     <a:srgbClr val="000000"/>
                   </a:solidFill>
@@ -2325,7 +2323,7 @@
             </a:ln>
             <a:extLst>
               <a:ext uri="{91240B29-F687-4f45-9708-019B960494DF}">
-                <a14:hiddenLine xmlns="" xmlns:a14="http://schemas.microsoft.com/office/drawing/2010/main" w="9525">
+                <a14:hiddenLine xmlns:a14="http://schemas.microsoft.com/office/drawing/2010/main" xmlns="" w="9525">
                   <a:solidFill>
                     <a:srgbClr val="000000"/>
                   </a:solidFill>
@@ -2359,7 +2357,7 @@
             </a:ln>
             <a:extLst>
               <a:ext uri="{91240B29-F687-4f45-9708-019B960494DF}">
-                <a14:hiddenLine xmlns="" xmlns:a14="http://schemas.microsoft.com/office/drawing/2010/main" w="9525">
+                <a14:hiddenLine xmlns:a14="http://schemas.microsoft.com/office/drawing/2010/main" xmlns="" w="9525">
                   <a:solidFill>
                     <a:srgbClr val="000000"/>
                   </a:solidFill>
@@ -2449,7 +2447,7 @@
             </a:ln>
             <a:extLst>
               <a:ext uri="{91240B29-F687-4f45-9708-019B960494DF}">
-                <a14:hiddenLine xmlns="" xmlns:a14="http://schemas.microsoft.com/office/drawing/2010/main" w="9525">
+                <a14:hiddenLine xmlns:a14="http://schemas.microsoft.com/office/drawing/2010/main" xmlns="" w="9525">
                   <a:solidFill>
                     <a:srgbClr val="000000"/>
                   </a:solidFill>
@@ -2511,7 +2509,7 @@
             </a:ln>
             <a:extLst>
               <a:ext uri="{91240B29-F687-4f45-9708-019B960494DF}">
-                <a14:hiddenLine xmlns="" xmlns:a14="http://schemas.microsoft.com/office/drawing/2010/main" w="9525">
+                <a14:hiddenLine xmlns:a14="http://schemas.microsoft.com/office/drawing/2010/main" xmlns="" w="9525">
                   <a:solidFill>
                     <a:srgbClr val="000000"/>
                   </a:solidFill>
@@ -2573,7 +2571,7 @@
             </a:ln>
             <a:extLst>
               <a:ext uri="{91240B29-F687-4f45-9708-019B960494DF}">
-                <a14:hiddenLine xmlns="" xmlns:a14="http://schemas.microsoft.com/office/drawing/2010/main" w="9525">
+                <a14:hiddenLine xmlns:a14="http://schemas.microsoft.com/office/drawing/2010/main" xmlns="" w="9525">
                   <a:solidFill>
                     <a:srgbClr val="000000"/>
                   </a:solidFill>
@@ -2663,7 +2661,7 @@
             </a:ln>
             <a:extLst>
               <a:ext uri="{91240B29-F687-4f45-9708-019B960494DF}">
-                <a14:hiddenLine xmlns="" xmlns:a14="http://schemas.microsoft.com/office/drawing/2010/main" w="9525">
+                <a14:hiddenLine xmlns:a14="http://schemas.microsoft.com/office/drawing/2010/main" xmlns="" w="9525">
                   <a:solidFill>
                     <a:srgbClr val="000000"/>
                   </a:solidFill>
@@ -2731,7 +2729,7 @@
             </a:ln>
             <a:extLst>
               <a:ext uri="{91240B29-F687-4f45-9708-019B960494DF}">
-                <a14:hiddenLine xmlns="" xmlns:a14="http://schemas.microsoft.com/office/drawing/2010/main" w="9525">
+                <a14:hiddenLine xmlns:a14="http://schemas.microsoft.com/office/drawing/2010/main" xmlns="" w="9525">
                   <a:solidFill>
                     <a:srgbClr val="000000"/>
                   </a:solidFill>
@@ -2793,7 +2791,7 @@
             </a:ln>
             <a:extLst>
               <a:ext uri="{91240B29-F687-4f45-9708-019B960494DF}">
-                <a14:hiddenLine xmlns="" xmlns:a14="http://schemas.microsoft.com/office/drawing/2010/main" w="9525">
+                <a14:hiddenLine xmlns:a14="http://schemas.microsoft.com/office/drawing/2010/main" xmlns="" w="9525">
                   <a:solidFill>
                     <a:srgbClr val="000000"/>
                   </a:solidFill>
@@ -2883,7 +2881,7 @@
             </a:ln>
             <a:extLst>
               <a:ext uri="{91240B29-F687-4f45-9708-019B960494DF}">
-                <a14:hiddenLine xmlns="" xmlns:a14="http://schemas.microsoft.com/office/drawing/2010/main" w="9525">
+                <a14:hiddenLine xmlns:a14="http://schemas.microsoft.com/office/drawing/2010/main" xmlns="" w="9525">
                   <a:solidFill>
                     <a:srgbClr val="000000"/>
                   </a:solidFill>
@@ -2945,7 +2943,7 @@
             </a:ln>
             <a:extLst>
               <a:ext uri="{91240B29-F687-4f45-9708-019B960494DF}">
-                <a14:hiddenLine xmlns="" xmlns:a14="http://schemas.microsoft.com/office/drawing/2010/main" w="9525">
+                <a14:hiddenLine xmlns:a14="http://schemas.microsoft.com/office/drawing/2010/main" xmlns="" w="9525">
                   <a:solidFill>
                     <a:srgbClr val="000000"/>
                   </a:solidFill>
@@ -3035,7 +3033,7 @@
             </a:ln>
             <a:extLst>
               <a:ext uri="{91240B29-F687-4f45-9708-019B960494DF}">
-                <a14:hiddenLine xmlns="" xmlns:a14="http://schemas.microsoft.com/office/drawing/2010/main" w="9525">
+                <a14:hiddenLine xmlns:a14="http://schemas.microsoft.com/office/drawing/2010/main" xmlns="" w="9525">
                   <a:solidFill>
                     <a:srgbClr val="000000"/>
                   </a:solidFill>
@@ -3097,7 +3095,7 @@
             </a:ln>
             <a:extLst>
               <a:ext uri="{91240B29-F687-4f45-9708-019B960494DF}">
-                <a14:hiddenLine xmlns="" xmlns:a14="http://schemas.microsoft.com/office/drawing/2010/main" w="9525">
+                <a14:hiddenLine xmlns:a14="http://schemas.microsoft.com/office/drawing/2010/main" xmlns="" w="9525">
                   <a:solidFill>
                     <a:srgbClr val="000000"/>
                   </a:solidFill>
@@ -3187,7 +3185,7 @@
             </a:ln>
             <a:extLst>
               <a:ext uri="{91240B29-F687-4f45-9708-019B960494DF}">
-                <a14:hiddenLine xmlns="" xmlns:a14="http://schemas.microsoft.com/office/drawing/2010/main" w="9525">
+                <a14:hiddenLine xmlns:a14="http://schemas.microsoft.com/office/drawing/2010/main" xmlns="" w="9525">
                   <a:solidFill>
                     <a:srgbClr val="000000"/>
                   </a:solidFill>
@@ -3221,7 +3219,7 @@
             </a:ln>
             <a:extLst>
               <a:ext uri="{91240B29-F687-4f45-9708-019B960494DF}">
-                <a14:hiddenLine xmlns="" xmlns:a14="http://schemas.microsoft.com/office/drawing/2010/main" w="9525">
+                <a14:hiddenLine xmlns:a14="http://schemas.microsoft.com/office/drawing/2010/main" xmlns="" w="9525">
                   <a:solidFill>
                     <a:srgbClr val="000000"/>
                   </a:solidFill>
@@ -3286,7 +3284,7 @@
             </a:ln>
             <a:extLst>
               <a:ext uri="{91240B29-F687-4f45-9708-019B960494DF}">
-                <a14:hiddenLine xmlns="" xmlns:a14="http://schemas.microsoft.com/office/drawing/2010/main" w="9525">
+                <a14:hiddenLine xmlns:a14="http://schemas.microsoft.com/office/drawing/2010/main" xmlns="" w="9525">
                   <a:solidFill>
                     <a:srgbClr val="000000"/>
                   </a:solidFill>
@@ -3376,7 +3374,7 @@
             </a:ln>
             <a:extLst>
               <a:ext uri="{91240B29-F687-4f45-9708-019B960494DF}">
-                <a14:hiddenLine xmlns="" xmlns:a14="http://schemas.microsoft.com/office/drawing/2010/main" w="9525">
+                <a14:hiddenLine xmlns:a14="http://schemas.microsoft.com/office/drawing/2010/main" xmlns="" w="9525">
                   <a:solidFill>
                     <a:srgbClr val="000000"/>
                   </a:solidFill>
@@ -3438,7 +3436,7 @@
             </a:ln>
             <a:extLst>
               <a:ext uri="{91240B29-F687-4f45-9708-019B960494DF}">
-                <a14:hiddenLine xmlns="" xmlns:a14="http://schemas.microsoft.com/office/drawing/2010/main" w="9525">
+                <a14:hiddenLine xmlns:a14="http://schemas.microsoft.com/office/drawing/2010/main" xmlns="" w="9525">
                   <a:solidFill>
                     <a:srgbClr val="000000"/>
                   </a:solidFill>
@@ -3528,7 +3526,7 @@
             </a:ln>
             <a:extLst>
               <a:ext uri="{91240B29-F687-4f45-9708-019B960494DF}">
-                <a14:hiddenLine xmlns="" xmlns:a14="http://schemas.microsoft.com/office/drawing/2010/main" w="9525">
+                <a14:hiddenLine xmlns:a14="http://schemas.microsoft.com/office/drawing/2010/main" xmlns="" w="9525">
                   <a:solidFill>
                     <a:srgbClr val="000000"/>
                   </a:solidFill>
@@ -3618,7 +3616,7 @@
             </a:ln>
             <a:extLst>
               <a:ext uri="{91240B29-F687-4f45-9708-019B960494DF}">
-                <a14:hiddenLine xmlns="" xmlns:a14="http://schemas.microsoft.com/office/drawing/2010/main" w="9525">
+                <a14:hiddenLine xmlns:a14="http://schemas.microsoft.com/office/drawing/2010/main" xmlns="" w="9525">
                   <a:solidFill>
                     <a:srgbClr val="000000"/>
                   </a:solidFill>
@@ -3683,7 +3681,7 @@
             </a:ln>
             <a:extLst>
               <a:ext uri="{91240B29-F687-4f45-9708-019B960494DF}">
-                <a14:hiddenLine xmlns="" xmlns:a14="http://schemas.microsoft.com/office/drawing/2010/main" w="9525">
+                <a14:hiddenLine xmlns:a14="http://schemas.microsoft.com/office/drawing/2010/main" xmlns="" w="9525">
                   <a:solidFill>
                     <a:srgbClr val="000000"/>
                   </a:solidFill>
@@ -3745,7 +3743,7 @@
             </a:ln>
             <a:extLst>
               <a:ext uri="{91240B29-F687-4f45-9708-019B960494DF}">
-                <a14:hiddenLine xmlns="" xmlns:a14="http://schemas.microsoft.com/office/drawing/2010/main" w="9525">
+                <a14:hiddenLine xmlns:a14="http://schemas.microsoft.com/office/drawing/2010/main" xmlns="" w="9525">
                   <a:solidFill>
                     <a:srgbClr val="000000"/>
                   </a:solidFill>
@@ -3835,7 +3833,7 @@
             </a:ln>
             <a:extLst>
               <a:ext uri="{91240B29-F687-4f45-9708-019B960494DF}">
-                <a14:hiddenLine xmlns="" xmlns:a14="http://schemas.microsoft.com/office/drawing/2010/main" w="9525">
+                <a14:hiddenLine xmlns:a14="http://schemas.microsoft.com/office/drawing/2010/main" xmlns="" w="9525">
                   <a:solidFill>
                     <a:srgbClr val="000000"/>
                   </a:solidFill>
@@ -3925,7 +3923,7 @@
             </a:ln>
             <a:extLst>
               <a:ext uri="{91240B29-F687-4f45-9708-019B960494DF}">
-                <a14:hiddenLine xmlns="" xmlns:a14="http://schemas.microsoft.com/office/drawing/2010/main" w="9525">
+                <a14:hiddenLine xmlns:a14="http://schemas.microsoft.com/office/drawing/2010/main" xmlns="" w="9525">
                   <a:solidFill>
                     <a:srgbClr val="000000"/>
                   </a:solidFill>
@@ -3987,7 +3985,7 @@
             </a:ln>
             <a:extLst>
               <a:ext uri="{91240B29-F687-4f45-9708-019B960494DF}">
-                <a14:hiddenLine xmlns="" xmlns:a14="http://schemas.microsoft.com/office/drawing/2010/main" w="9525">
+                <a14:hiddenLine xmlns:a14="http://schemas.microsoft.com/office/drawing/2010/main" xmlns="" w="9525">
                   <a:solidFill>
                     <a:srgbClr val="000000"/>
                   </a:solidFill>
@@ -4107,7 +4105,7 @@
             </a:ln>
             <a:extLst>
               <a:ext uri="{91240B29-F687-4f45-9708-019B960494DF}">
-                <a14:hiddenLine xmlns="" xmlns:a14="http://schemas.microsoft.com/office/drawing/2010/main" w="9525">
+                <a14:hiddenLine xmlns:a14="http://schemas.microsoft.com/office/drawing/2010/main" xmlns="" w="9525">
                   <a:solidFill>
                     <a:srgbClr val="000000"/>
                   </a:solidFill>
@@ -4175,7 +4173,7 @@
             </a:ln>
             <a:extLst>
               <a:ext uri="{91240B29-F687-4f45-9708-019B960494DF}">
-                <a14:hiddenLine xmlns="" xmlns:a14="http://schemas.microsoft.com/office/drawing/2010/main" w="9525">
+                <a14:hiddenLine xmlns:a14="http://schemas.microsoft.com/office/drawing/2010/main" xmlns="" w="9525">
                   <a:solidFill>
                     <a:srgbClr val="000000"/>
                   </a:solidFill>
@@ -4265,7 +4263,7 @@
             </a:ln>
             <a:extLst>
               <a:ext uri="{91240B29-F687-4f45-9708-019B960494DF}">
-                <a14:hiddenLine xmlns="" xmlns:a14="http://schemas.microsoft.com/office/drawing/2010/main" w="9525">
+                <a14:hiddenLine xmlns:a14="http://schemas.microsoft.com/office/drawing/2010/main" xmlns="" w="9525">
                   <a:solidFill>
                     <a:srgbClr val="000000"/>
                   </a:solidFill>
@@ -8987,7 +8985,7 @@
           <a:noFill/>
           <a:extLst>
             <a:ext uri="{909E8E84-426E-40dd-AFC4-6F175D3DCCD1}">
-              <a14:hiddenFill xmlns="" xmlns:a14="http://schemas.microsoft.com/office/drawing/2010/main">
+              <a14:hiddenFill xmlns:a14="http://schemas.microsoft.com/office/drawing/2010/main" xmlns="">
                 <a:solidFill>
                   <a:srgbClr val="FFFFFF"/>
                 </a:solidFill>
@@ -9061,7 +9059,7 @@
               </a:ln>
               <a:extLst>
                 <a:ext uri="{91240B29-F687-4f45-9708-019B960494DF}">
-                  <a14:hiddenLine xmlns="" xmlns:a14="http://schemas.microsoft.com/office/drawing/2010/main" w="9525">
+                  <a14:hiddenLine xmlns:a14="http://schemas.microsoft.com/office/drawing/2010/main" xmlns="" w="9525">
                     <a:solidFill>
                       <a:srgbClr val="000000"/>
                     </a:solidFill>
@@ -9151,7 +9149,7 @@
               </a:ln>
               <a:extLst>
                 <a:ext uri="{91240B29-F687-4f45-9708-019B960494DF}">
-                  <a14:hiddenLine xmlns="" xmlns:a14="http://schemas.microsoft.com/office/drawing/2010/main" w="9525">
+                  <a14:hiddenLine xmlns:a14="http://schemas.microsoft.com/office/drawing/2010/main" xmlns="" w="9525">
                     <a:solidFill>
                       <a:srgbClr val="000000"/>
                     </a:solidFill>
@@ -9241,7 +9239,7 @@
               </a:ln>
               <a:extLst>
                 <a:ext uri="{91240B29-F687-4f45-9708-019B960494DF}">
-                  <a14:hiddenLine xmlns="" xmlns:a14="http://schemas.microsoft.com/office/drawing/2010/main" w="9525">
+                  <a14:hiddenLine xmlns:a14="http://schemas.microsoft.com/office/drawing/2010/main" xmlns="" w="9525">
                     <a:solidFill>
                       <a:srgbClr val="000000"/>
                     </a:solidFill>
@@ -9303,7 +9301,7 @@
               </a:ln>
               <a:extLst>
                 <a:ext uri="{91240B29-F687-4f45-9708-019B960494DF}">
-                  <a14:hiddenLine xmlns="" xmlns:a14="http://schemas.microsoft.com/office/drawing/2010/main" w="9525">
+                  <a14:hiddenLine xmlns:a14="http://schemas.microsoft.com/office/drawing/2010/main" xmlns="" w="9525">
                     <a:solidFill>
                       <a:srgbClr val="000000"/>
                     </a:solidFill>
@@ -9393,7 +9391,7 @@
               </a:ln>
               <a:extLst>
                 <a:ext uri="{91240B29-F687-4f45-9708-019B960494DF}">
-                  <a14:hiddenLine xmlns="" xmlns:a14="http://schemas.microsoft.com/office/drawing/2010/main" w="9525">
+                  <a14:hiddenLine xmlns:a14="http://schemas.microsoft.com/office/drawing/2010/main" xmlns="" w="9525">
                     <a:solidFill>
                       <a:srgbClr val="000000"/>
                     </a:solidFill>
@@ -9455,7 +9453,7 @@
               </a:ln>
               <a:extLst>
                 <a:ext uri="{91240B29-F687-4f45-9708-019B960494DF}">
-                  <a14:hiddenLine xmlns="" xmlns:a14="http://schemas.microsoft.com/office/drawing/2010/main" w="9525">
+                  <a14:hiddenLine xmlns:a14="http://schemas.microsoft.com/office/drawing/2010/main" xmlns="" w="9525">
                     <a:solidFill>
                       <a:srgbClr val="000000"/>
                     </a:solidFill>
@@ -9517,7 +9515,7 @@
               </a:ln>
               <a:extLst>
                 <a:ext uri="{91240B29-F687-4f45-9708-019B960494DF}">
-                  <a14:hiddenLine xmlns="" xmlns:a14="http://schemas.microsoft.com/office/drawing/2010/main" w="9525">
+                  <a14:hiddenLine xmlns:a14="http://schemas.microsoft.com/office/drawing/2010/main" xmlns="" w="9525">
                     <a:solidFill>
                       <a:srgbClr val="000000"/>
                     </a:solidFill>
@@ -9607,7 +9605,7 @@
               </a:ln>
               <a:extLst>
                 <a:ext uri="{91240B29-F687-4f45-9708-019B960494DF}">
-                  <a14:hiddenLine xmlns="" xmlns:a14="http://schemas.microsoft.com/office/drawing/2010/main" w="9525">
+                  <a14:hiddenLine xmlns:a14="http://schemas.microsoft.com/office/drawing/2010/main" xmlns="" w="9525">
                     <a:solidFill>
                       <a:srgbClr val="000000"/>
                     </a:solidFill>
@@ -9697,7 +9695,7 @@
               </a:ln>
               <a:extLst>
                 <a:ext uri="{91240B29-F687-4f45-9708-019B960494DF}">
-                  <a14:hiddenLine xmlns="" xmlns:a14="http://schemas.microsoft.com/office/drawing/2010/main" w="9525">
+                  <a14:hiddenLine xmlns:a14="http://schemas.microsoft.com/office/drawing/2010/main" xmlns="" w="9525">
                     <a:solidFill>
                       <a:srgbClr val="000000"/>
                     </a:solidFill>
@@ -9759,7 +9757,7 @@
               </a:ln>
               <a:extLst>
                 <a:ext uri="{91240B29-F687-4f45-9708-019B960494DF}">
-                  <a14:hiddenLine xmlns="" xmlns:a14="http://schemas.microsoft.com/office/drawing/2010/main" w="9525">
+                  <a14:hiddenLine xmlns:a14="http://schemas.microsoft.com/office/drawing/2010/main" xmlns="" w="9525">
                     <a:solidFill>
                       <a:srgbClr val="000000"/>
                     </a:solidFill>
@@ -9869,7 +9867,7 @@
               </a:ln>
               <a:extLst>
                 <a:ext uri="{91240B29-F687-4f45-9708-019B960494DF}">
-                  <a14:hiddenLine xmlns="" xmlns:a14="http://schemas.microsoft.com/office/drawing/2010/main" w="9525">
+                  <a14:hiddenLine xmlns:a14="http://schemas.microsoft.com/office/drawing/2010/main" xmlns="" w="9525">
                     <a:solidFill>
                       <a:srgbClr val="000000"/>
                     </a:solidFill>
@@ -9953,7 +9951,7 @@
               </a:ln>
               <a:extLst>
                 <a:ext uri="{91240B29-F687-4f45-9708-019B960494DF}">
-                  <a14:hiddenLine xmlns="" xmlns:a14="http://schemas.microsoft.com/office/drawing/2010/main" w="9525">
+                  <a14:hiddenLine xmlns:a14="http://schemas.microsoft.com/office/drawing/2010/main" xmlns="" w="9525">
                     <a:solidFill>
                       <a:srgbClr val="000000"/>
                     </a:solidFill>
@@ -10015,7 +10013,7 @@
               </a:ln>
               <a:extLst>
                 <a:ext uri="{91240B29-F687-4f45-9708-019B960494DF}">
-                  <a14:hiddenLine xmlns="" xmlns:a14="http://schemas.microsoft.com/office/drawing/2010/main" w="9525">
+                  <a14:hiddenLine xmlns:a14="http://schemas.microsoft.com/office/drawing/2010/main" xmlns="" w="9525">
                     <a:solidFill>
                       <a:srgbClr val="000000"/>
                     </a:solidFill>
@@ -10077,7 +10075,7 @@
               </a:ln>
               <a:extLst>
                 <a:ext uri="{91240B29-F687-4f45-9708-019B960494DF}">
-                  <a14:hiddenLine xmlns="" xmlns:a14="http://schemas.microsoft.com/office/drawing/2010/main" w="9525">
+                  <a14:hiddenLine xmlns:a14="http://schemas.microsoft.com/office/drawing/2010/main" xmlns="" w="9525">
                     <a:solidFill>
                       <a:srgbClr val="000000"/>
                     </a:solidFill>
@@ -10167,7 +10165,7 @@
               </a:ln>
               <a:extLst>
                 <a:ext uri="{91240B29-F687-4f45-9708-019B960494DF}">
-                  <a14:hiddenLine xmlns="" xmlns:a14="http://schemas.microsoft.com/office/drawing/2010/main" w="9525">
+                  <a14:hiddenLine xmlns:a14="http://schemas.microsoft.com/office/drawing/2010/main" xmlns="" w="9525">
                     <a:solidFill>
                       <a:srgbClr val="000000"/>
                     </a:solidFill>
@@ -10201,7 +10199,7 @@
               </a:ln>
               <a:extLst>
                 <a:ext uri="{91240B29-F687-4f45-9708-019B960494DF}">
-                  <a14:hiddenLine xmlns="" xmlns:a14="http://schemas.microsoft.com/office/drawing/2010/main" w="9525">
+                  <a14:hiddenLine xmlns:a14="http://schemas.microsoft.com/office/drawing/2010/main" xmlns="" w="9525">
                     <a:solidFill>
                       <a:srgbClr val="000000"/>
                     </a:solidFill>
@@ -10266,7 +10264,7 @@
               </a:ln>
               <a:extLst>
                 <a:ext uri="{91240B29-F687-4f45-9708-019B960494DF}">
-                  <a14:hiddenLine xmlns="" xmlns:a14="http://schemas.microsoft.com/office/drawing/2010/main" w="9525">
+                  <a14:hiddenLine xmlns:a14="http://schemas.microsoft.com/office/drawing/2010/main" xmlns="" w="9525">
                     <a:solidFill>
                       <a:srgbClr val="000000"/>
                     </a:solidFill>
@@ -10356,7 +10354,7 @@
               </a:ln>
               <a:extLst>
                 <a:ext uri="{91240B29-F687-4f45-9708-019B960494DF}">
-                  <a14:hiddenLine xmlns="" xmlns:a14="http://schemas.microsoft.com/office/drawing/2010/main" w="9525">
+                  <a14:hiddenLine xmlns:a14="http://schemas.microsoft.com/office/drawing/2010/main" xmlns="" w="9525">
                     <a:solidFill>
                       <a:srgbClr val="000000"/>
                     </a:solidFill>
@@ -10418,7 +10416,7 @@
               </a:ln>
               <a:extLst>
                 <a:ext uri="{91240B29-F687-4f45-9708-019B960494DF}">
-                  <a14:hiddenLine xmlns="" xmlns:a14="http://schemas.microsoft.com/office/drawing/2010/main" w="9525">
+                  <a14:hiddenLine xmlns:a14="http://schemas.microsoft.com/office/drawing/2010/main" xmlns="" w="9525">
                     <a:solidFill>
                       <a:srgbClr val="000000"/>
                     </a:solidFill>
@@ -10508,7 +10506,7 @@
               </a:ln>
               <a:extLst>
                 <a:ext uri="{91240B29-F687-4f45-9708-019B960494DF}">
-                  <a14:hiddenLine xmlns="" xmlns:a14="http://schemas.microsoft.com/office/drawing/2010/main" w="9525">
+                  <a14:hiddenLine xmlns:a14="http://schemas.microsoft.com/office/drawing/2010/main" xmlns="" w="9525">
                     <a:solidFill>
                       <a:srgbClr val="000000"/>
                     </a:solidFill>
@@ -10573,7 +10571,7 @@
               </a:ln>
               <a:extLst>
                 <a:ext uri="{91240B29-F687-4f45-9708-019B960494DF}">
-                  <a14:hiddenLine xmlns="" xmlns:a14="http://schemas.microsoft.com/office/drawing/2010/main" w="9525">
+                  <a14:hiddenLine xmlns:a14="http://schemas.microsoft.com/office/drawing/2010/main" xmlns="" w="9525">
                     <a:solidFill>
                       <a:srgbClr val="000000"/>
                     </a:solidFill>
@@ -10635,7 +10633,7 @@
               </a:ln>
               <a:extLst>
                 <a:ext uri="{91240B29-F687-4f45-9708-019B960494DF}">
-                  <a14:hiddenLine xmlns="" xmlns:a14="http://schemas.microsoft.com/office/drawing/2010/main" w="9525">
+                  <a14:hiddenLine xmlns:a14="http://schemas.microsoft.com/office/drawing/2010/main" xmlns="" w="9525">
                     <a:solidFill>
                       <a:srgbClr val="000000"/>
                     </a:solidFill>
@@ -10725,7 +10723,7 @@
               </a:ln>
               <a:extLst>
                 <a:ext uri="{91240B29-F687-4f45-9708-019B960494DF}">
-                  <a14:hiddenLine xmlns="" xmlns:a14="http://schemas.microsoft.com/office/drawing/2010/main" w="9525">
+                  <a14:hiddenLine xmlns:a14="http://schemas.microsoft.com/office/drawing/2010/main" xmlns="" w="9525">
                     <a:solidFill>
                       <a:srgbClr val="000000"/>
                     </a:solidFill>
@@ -10815,7 +10813,7 @@
               </a:ln>
               <a:extLst>
                 <a:ext uri="{91240B29-F687-4f45-9708-019B960494DF}">
-                  <a14:hiddenLine xmlns="" xmlns:a14="http://schemas.microsoft.com/office/drawing/2010/main" w="9525">
+                  <a14:hiddenLine xmlns:a14="http://schemas.microsoft.com/office/drawing/2010/main" xmlns="" w="9525">
                     <a:solidFill>
                       <a:srgbClr val="000000"/>
                     </a:solidFill>
@@ -10880,7 +10878,7 @@
               </a:ln>
               <a:extLst>
                 <a:ext uri="{91240B29-F687-4f45-9708-019B960494DF}">
-                  <a14:hiddenLine xmlns="" xmlns:a14="http://schemas.microsoft.com/office/drawing/2010/main" w="9525">
+                  <a14:hiddenLine xmlns:a14="http://schemas.microsoft.com/office/drawing/2010/main" xmlns="" w="9525">
                     <a:solidFill>
                       <a:srgbClr val="000000"/>
                     </a:solidFill>
@@ -11000,7 +10998,7 @@
               </a:ln>
               <a:extLst>
                 <a:ext uri="{91240B29-F687-4f45-9708-019B960494DF}">
-                  <a14:hiddenLine xmlns="" xmlns:a14="http://schemas.microsoft.com/office/drawing/2010/main" w="9525">
+                  <a14:hiddenLine xmlns:a14="http://schemas.microsoft.com/office/drawing/2010/main" xmlns="" w="9525">
                     <a:solidFill>
                       <a:srgbClr val="000000"/>
                     </a:solidFill>
@@ -11098,7 +11096,7 @@
               </a:ln>
               <a:extLst>
                 <a:ext uri="{91240B29-F687-4f45-9708-019B960494DF}">
-                  <a14:hiddenLine xmlns="" xmlns:a14="http://schemas.microsoft.com/office/drawing/2010/main" w="9525">
+                  <a14:hiddenLine xmlns:a14="http://schemas.microsoft.com/office/drawing/2010/main" xmlns="" w="9525">
                     <a:solidFill>
                       <a:srgbClr val="000000"/>
                     </a:solidFill>
@@ -11213,7 +11211,7 @@
               </a:ln>
               <a:extLst>
                 <a:ext uri="{91240B29-F687-4f45-9708-019B960494DF}">
-                  <a14:hiddenLine xmlns="" xmlns:a14="http://schemas.microsoft.com/office/drawing/2010/main" w="9525">
+                  <a14:hiddenLine xmlns:a14="http://schemas.microsoft.com/office/drawing/2010/main" xmlns="" w="9525">
                     <a:solidFill>
                       <a:srgbClr val="000000"/>
                     </a:solidFill>
@@ -11303,7 +11301,7 @@
               </a:ln>
               <a:extLst>
                 <a:ext uri="{91240B29-F687-4f45-9708-019B960494DF}">
-                  <a14:hiddenLine xmlns="" xmlns:a14="http://schemas.microsoft.com/office/drawing/2010/main" w="9525">
+                  <a14:hiddenLine xmlns:a14="http://schemas.microsoft.com/office/drawing/2010/main" xmlns="" w="9525">
                     <a:solidFill>
                       <a:srgbClr val="000000"/>
                     </a:solidFill>
@@ -11368,7 +11366,7 @@
               </a:ln>
               <a:extLst>
                 <a:ext uri="{91240B29-F687-4f45-9708-019B960494DF}">
-                  <a14:hiddenLine xmlns="" xmlns:a14="http://schemas.microsoft.com/office/drawing/2010/main" w="9525">
+                  <a14:hiddenLine xmlns:a14="http://schemas.microsoft.com/office/drawing/2010/main" xmlns="" w="9525">
                     <a:solidFill>
                       <a:srgbClr val="000000"/>
                     </a:solidFill>
@@ -11458,7 +11456,7 @@
               </a:ln>
               <a:extLst>
                 <a:ext uri="{91240B29-F687-4f45-9708-019B960494DF}">
-                  <a14:hiddenLine xmlns="" xmlns:a14="http://schemas.microsoft.com/office/drawing/2010/main" w="9525">
+                  <a14:hiddenLine xmlns:a14="http://schemas.microsoft.com/office/drawing/2010/main" xmlns="" w="9525">
                     <a:solidFill>
                       <a:srgbClr val="000000"/>
                     </a:solidFill>
@@ -11526,7 +11524,7 @@
               </a:ln>
               <a:extLst>
                 <a:ext uri="{91240B29-F687-4f45-9708-019B960494DF}">
-                  <a14:hiddenLine xmlns="" xmlns:a14="http://schemas.microsoft.com/office/drawing/2010/main" w="9525">
+                  <a14:hiddenLine xmlns:a14="http://schemas.microsoft.com/office/drawing/2010/main" xmlns="" w="9525">
                     <a:solidFill>
                       <a:srgbClr val="000000"/>
                     </a:solidFill>
@@ -11616,7 +11614,7 @@
               </a:ln>
               <a:extLst>
                 <a:ext uri="{91240B29-F687-4f45-9708-019B960494DF}">
-                  <a14:hiddenLine xmlns="" xmlns:a14="http://schemas.microsoft.com/office/drawing/2010/main" w="9525">
+                  <a14:hiddenLine xmlns:a14="http://schemas.microsoft.com/office/drawing/2010/main" xmlns="" w="9525">
                     <a:solidFill>
                       <a:srgbClr val="000000"/>
                     </a:solidFill>
@@ -11684,7 +11682,7 @@
               </a:ln>
               <a:extLst>
                 <a:ext uri="{91240B29-F687-4f45-9708-019B960494DF}">
-                  <a14:hiddenLine xmlns="" xmlns:a14="http://schemas.microsoft.com/office/drawing/2010/main" w="9525">
+                  <a14:hiddenLine xmlns:a14="http://schemas.microsoft.com/office/drawing/2010/main" xmlns="" w="9525">
                     <a:solidFill>
                       <a:srgbClr val="000000"/>
                     </a:solidFill>
@@ -11774,7 +11772,7 @@
               </a:ln>
               <a:extLst>
                 <a:ext uri="{91240B29-F687-4f45-9708-019B960494DF}">
-                  <a14:hiddenLine xmlns="" xmlns:a14="http://schemas.microsoft.com/office/drawing/2010/main" w="9525">
+                  <a14:hiddenLine xmlns:a14="http://schemas.microsoft.com/office/drawing/2010/main" xmlns="" w="9525">
                     <a:solidFill>
                       <a:srgbClr val="000000"/>
                     </a:solidFill>
@@ -11808,7 +11806,7 @@
               </a:ln>
               <a:extLst>
                 <a:ext uri="{91240B29-F687-4f45-9708-019B960494DF}">
-                  <a14:hiddenLine xmlns="" xmlns:a14="http://schemas.microsoft.com/office/drawing/2010/main" w="9525">
+                  <a14:hiddenLine xmlns:a14="http://schemas.microsoft.com/office/drawing/2010/main" xmlns="" w="9525">
                     <a:solidFill>
                       <a:srgbClr val="000000"/>
                     </a:solidFill>
@@ -13058,15 +13056,6 @@
               </a:rPr>
               <a:t>ergİN</a:t>
             </a:r>
-            <a:endParaRPr lang="en-US" noProof="1" smtClean="0">
-              <a:solidFill>
-                <a:schemeClr val="tx2">
-                  <a:lumMod val="75000"/>
-                </a:schemeClr>
-              </a:solidFill>
-              <a:latin typeface="Segoe UI" panose="020B0502040204020203" pitchFamily="34" charset="0"/>
-              <a:cs typeface="Segoe UI" panose="020B0502040204020203" pitchFamily="34" charset="0"/>
-            </a:endParaRPr>
           </a:p>
         </p:txBody>
       </p:sp>
@@ -14028,292 +14017,6 @@
                 <a:latin typeface="Segoe UI" panose="020B0502040204020203" pitchFamily="34" charset="0"/>
                 <a:cs typeface="Segoe UI" panose="020B0502040204020203" pitchFamily="34" charset="0"/>
               </a:rPr>
-              <a:t>Kubernetes</a:t>
-            </a:r>
-          </a:p>
-        </p:txBody>
-      </p:sp>
-      <p:pic>
-        <p:nvPicPr>
-          <p:cNvPr id="3" name="Picture 2"/>
-          <p:cNvPicPr>
-            <a:picLocks noChangeAspect="1"/>
-          </p:cNvPicPr>
-          <p:nvPr/>
-        </p:nvPicPr>
-        <p:blipFill>
-          <a:blip r:embed="rId2">
-            <a:extLst>
-              <a:ext uri="{28A0092B-C50C-407E-A947-70E740481C1C}">
-                <a14:useLocalDpi xmlns:a14="http://schemas.microsoft.com/office/drawing/2010/main" val="0"/>
-              </a:ext>
-            </a:extLst>
-          </a:blip>
-          <a:stretch>
-            <a:fillRect/>
-          </a:stretch>
-        </p:blipFill>
-        <p:spPr>
-          <a:xfrm>
-            <a:off x="3524423" y="1816330"/>
-            <a:ext cx="5010150" cy="3657600"/>
-          </a:xfrm>
-          <a:prstGeom prst="rect">
-            <a:avLst/>
-          </a:prstGeom>
-        </p:spPr>
-      </p:pic>
-    </p:spTree>
-    <p:extLst>
-      <p:ext uri="{BB962C8B-B14F-4D97-AF65-F5344CB8AC3E}">
-        <p14:creationId xmlns:p14="http://schemas.microsoft.com/office/powerpoint/2010/main" val="4178435544"/>
-      </p:ext>
-    </p:extLst>
-  </p:cSld>
-  <p:clrMapOvr>
-    <a:masterClrMapping/>
-  </p:clrMapOvr>
-  <p:timing>
-    <p:tnLst>
-      <p:par>
-        <p:cTn id="1" dur="indefinite" restart="never" nodeType="tmRoot"/>
-      </p:par>
-    </p:tnLst>
-  </p:timing>
-</p:sld>
-</file>
-
-<file path=ppt/slides/slide13.xml><?xml version="1.0" encoding="utf-8"?>
-<p:sld xmlns:a="http://schemas.openxmlformats.org/drawingml/2006/main" xmlns:r="http://schemas.openxmlformats.org/officeDocument/2006/relationships" xmlns:p="http://schemas.openxmlformats.org/presentationml/2006/main">
-  <p:cSld>
-    <p:spTree>
-      <p:nvGrpSpPr>
-        <p:cNvPr id="1" name=""/>
-        <p:cNvGrpSpPr/>
-        <p:nvPr/>
-      </p:nvGrpSpPr>
-      <p:grpSpPr>
-        <a:xfrm>
-          <a:off x="0" y="0"/>
-          <a:ext cx="0" cy="0"/>
-          <a:chOff x="0" y="0"/>
-          <a:chExt cx="0" cy="0"/>
-        </a:xfrm>
-      </p:grpSpPr>
-      <p:sp>
-        <p:nvSpPr>
-          <p:cNvPr id="10" name="Content Placeholder 2"/>
-          <p:cNvSpPr txBox="1">
-            <a:spLocks/>
-          </p:cNvSpPr>
-          <p:nvPr/>
-        </p:nvSpPr>
-        <p:spPr>
-          <a:xfrm>
-            <a:off x="3405915" y="279436"/>
-            <a:ext cx="4815371" cy="1162579"/>
-          </a:xfrm>
-          <a:prstGeom prst="rect">
-            <a:avLst/>
-          </a:prstGeom>
-        </p:spPr>
-        <p:txBody>
-          <a:bodyPr vert="horz" lIns="91440" tIns="45720" rIns="91440" bIns="45720" rtlCol="0">
-            <a:normAutofit/>
-          </a:bodyPr>
-          <a:lstStyle>
-            <a:lvl1pPr marL="228600" indent="-228600" algn="l" defTabSz="914400" rtl="0" eaLnBrk="1" latinLnBrk="0" hangingPunct="1">
-              <a:lnSpc>
-                <a:spcPct val="120000"/>
-              </a:lnSpc>
-              <a:spcBef>
-                <a:spcPts val="1000"/>
-              </a:spcBef>
-              <a:buSzPct val="125000"/>
-              <a:buFont typeface="Arial" panose="020B0604020202020204" pitchFamily="34" charset="0"/>
-              <a:buChar char="•"/>
-              <a:defRPr sz="2400" kern="1200">
-                <a:solidFill>
-                  <a:schemeClr val="tx1"/>
-                </a:solidFill>
-                <a:latin typeface="+mn-lt"/>
-                <a:ea typeface="+mn-ea"/>
-                <a:cs typeface="+mn-cs"/>
-              </a:defRPr>
-            </a:lvl1pPr>
-            <a:lvl2pPr marL="685800" indent="-228600" algn="l" defTabSz="914400" rtl="0" eaLnBrk="1" latinLnBrk="0" hangingPunct="1">
-              <a:lnSpc>
-                <a:spcPct val="120000"/>
-              </a:lnSpc>
-              <a:spcBef>
-                <a:spcPts val="500"/>
-              </a:spcBef>
-              <a:buSzPct val="125000"/>
-              <a:buFont typeface="Arial" panose="020B0604020202020204" pitchFamily="34" charset="0"/>
-              <a:buChar char="•"/>
-              <a:defRPr sz="2000" kern="1200">
-                <a:solidFill>
-                  <a:schemeClr val="tx1"/>
-                </a:solidFill>
-                <a:latin typeface="+mn-lt"/>
-                <a:ea typeface="+mn-ea"/>
-                <a:cs typeface="+mn-cs"/>
-              </a:defRPr>
-            </a:lvl2pPr>
-            <a:lvl3pPr marL="1143000" indent="-228600" algn="l" defTabSz="914400" rtl="0" eaLnBrk="1" latinLnBrk="0" hangingPunct="1">
-              <a:lnSpc>
-                <a:spcPct val="120000"/>
-              </a:lnSpc>
-              <a:spcBef>
-                <a:spcPts val="500"/>
-              </a:spcBef>
-              <a:buSzPct val="125000"/>
-              <a:buFont typeface="Arial" panose="020B0604020202020204" pitchFamily="34" charset="0"/>
-              <a:buChar char="•"/>
-              <a:defRPr sz="1800" kern="1200">
-                <a:solidFill>
-                  <a:schemeClr val="tx1"/>
-                </a:solidFill>
-                <a:latin typeface="+mn-lt"/>
-                <a:ea typeface="+mn-ea"/>
-                <a:cs typeface="+mn-cs"/>
-              </a:defRPr>
-            </a:lvl3pPr>
-            <a:lvl4pPr marL="1600200" indent="-228600" algn="l" defTabSz="914400" rtl="0" eaLnBrk="1" latinLnBrk="0" hangingPunct="1">
-              <a:lnSpc>
-                <a:spcPct val="120000"/>
-              </a:lnSpc>
-              <a:spcBef>
-                <a:spcPts val="500"/>
-              </a:spcBef>
-              <a:buSzPct val="125000"/>
-              <a:buFont typeface="Arial" panose="020B0604020202020204" pitchFamily="34" charset="0"/>
-              <a:buChar char="•"/>
-              <a:defRPr sz="1600" kern="1200">
-                <a:solidFill>
-                  <a:schemeClr val="tx1"/>
-                </a:solidFill>
-                <a:latin typeface="+mn-lt"/>
-                <a:ea typeface="+mn-ea"/>
-                <a:cs typeface="+mn-cs"/>
-              </a:defRPr>
-            </a:lvl4pPr>
-            <a:lvl5pPr marL="2057400" indent="-228600" algn="l" defTabSz="914400" rtl="0" eaLnBrk="1" latinLnBrk="0" hangingPunct="1">
-              <a:lnSpc>
-                <a:spcPct val="120000"/>
-              </a:lnSpc>
-              <a:spcBef>
-                <a:spcPts val="500"/>
-              </a:spcBef>
-              <a:buSzPct val="125000"/>
-              <a:buFont typeface="Arial" panose="020B0604020202020204" pitchFamily="34" charset="0"/>
-              <a:buChar char="•"/>
-              <a:defRPr sz="1600" kern="1200">
-                <a:solidFill>
-                  <a:schemeClr val="tx1"/>
-                </a:solidFill>
-                <a:latin typeface="+mn-lt"/>
-                <a:ea typeface="+mn-ea"/>
-                <a:cs typeface="+mn-cs"/>
-              </a:defRPr>
-            </a:lvl5pPr>
-            <a:lvl6pPr marL="2514600" indent="-228600" algn="l" defTabSz="914400" rtl="0" eaLnBrk="1" latinLnBrk="0" hangingPunct="1">
-              <a:lnSpc>
-                <a:spcPct val="120000"/>
-              </a:lnSpc>
-              <a:spcBef>
-                <a:spcPts val="500"/>
-              </a:spcBef>
-              <a:buSzPct val="125000"/>
-              <a:buFont typeface="Arial" panose="020B0604020202020204" pitchFamily="34" charset="0"/>
-              <a:buChar char="•"/>
-              <a:defRPr sz="1400" kern="1200">
-                <a:solidFill>
-                  <a:schemeClr val="tx1"/>
-                </a:solidFill>
-                <a:latin typeface="+mn-lt"/>
-                <a:ea typeface="+mn-ea"/>
-                <a:cs typeface="+mn-cs"/>
-              </a:defRPr>
-            </a:lvl6pPr>
-            <a:lvl7pPr marL="2971800" indent="-228600" algn="l" defTabSz="914400" rtl="0" eaLnBrk="1" latinLnBrk="0" hangingPunct="1">
-              <a:lnSpc>
-                <a:spcPct val="120000"/>
-              </a:lnSpc>
-              <a:spcBef>
-                <a:spcPts val="500"/>
-              </a:spcBef>
-              <a:buSzPct val="125000"/>
-              <a:buFont typeface="Arial" panose="020B0604020202020204" pitchFamily="34" charset="0"/>
-              <a:buChar char="•"/>
-              <a:defRPr sz="1400" kern="1200">
-                <a:solidFill>
-                  <a:schemeClr val="tx1"/>
-                </a:solidFill>
-                <a:latin typeface="+mn-lt"/>
-                <a:ea typeface="+mn-ea"/>
-                <a:cs typeface="+mn-cs"/>
-              </a:defRPr>
-            </a:lvl7pPr>
-            <a:lvl8pPr marL="3429000" indent="-228600" algn="l" defTabSz="914400" rtl="0" eaLnBrk="1" latinLnBrk="0" hangingPunct="1">
-              <a:lnSpc>
-                <a:spcPct val="120000"/>
-              </a:lnSpc>
-              <a:spcBef>
-                <a:spcPts val="500"/>
-              </a:spcBef>
-              <a:buSzPct val="125000"/>
-              <a:buFont typeface="Arial" panose="020B0604020202020204" pitchFamily="34" charset="0"/>
-              <a:buChar char="•"/>
-              <a:defRPr sz="1400" kern="1200">
-                <a:solidFill>
-                  <a:schemeClr val="tx1"/>
-                </a:solidFill>
-                <a:latin typeface="+mn-lt"/>
-                <a:ea typeface="+mn-ea"/>
-                <a:cs typeface="+mn-cs"/>
-              </a:defRPr>
-            </a:lvl8pPr>
-            <a:lvl9pPr marL="3886200" indent="-228600" algn="l" defTabSz="914400" rtl="0" eaLnBrk="1" latinLnBrk="0" hangingPunct="1">
-              <a:lnSpc>
-                <a:spcPct val="120000"/>
-              </a:lnSpc>
-              <a:spcBef>
-                <a:spcPts val="500"/>
-              </a:spcBef>
-              <a:buSzPct val="125000"/>
-              <a:buFont typeface="Arial" panose="020B0604020202020204" pitchFamily="34" charset="0"/>
-              <a:buChar char="•"/>
-              <a:defRPr sz="1400" kern="1200">
-                <a:solidFill>
-                  <a:schemeClr val="tx1"/>
-                </a:solidFill>
-                <a:latin typeface="+mn-lt"/>
-                <a:ea typeface="+mn-ea"/>
-                <a:cs typeface="+mn-cs"/>
-              </a:defRPr>
-            </a:lvl9pPr>
-          </a:lstStyle>
-          <a:p>
-            <a:pPr marL="0" indent="0" algn="ctr">
-              <a:buFont typeface="Arial" panose="020B0604020202020204" pitchFamily="34" charset="0"/>
-              <a:buNone/>
-            </a:pPr>
-            <a:r>
-              <a:rPr lang="en-US" sz="3200" noProof="1" smtClean="0">
-                <a:solidFill>
-                  <a:schemeClr val="bg1"/>
-                </a:solidFill>
-                <a:effectLst>
-                  <a:outerShdw blurRad="38100" dist="38100" dir="2700000" algn="tl">
-                    <a:srgbClr val="000000">
-                      <a:alpha val="43137"/>
-                    </a:srgbClr>
-                  </a:outerShdw>
-                </a:effectLst>
-                <a:latin typeface="Segoe UI" panose="020B0502040204020203" pitchFamily="34" charset="0"/>
-                <a:cs typeface="Segoe UI" panose="020B0502040204020203" pitchFamily="34" charset="0"/>
-              </a:rPr>
               <a:t>Kubernetes - Kubectl</a:t>
             </a:r>
           </a:p>
@@ -14392,7 +14095,7 @@
 </p:sld>
 </file>
 
-<file path=ppt/slides/slide14.xml><?xml version="1.0" encoding="utf-8"?>
+<file path=ppt/slides/slide13.xml><?xml version="1.0" encoding="utf-8"?>
 <p:sld xmlns:a="http://schemas.openxmlformats.org/drawingml/2006/main" xmlns:r="http://schemas.openxmlformats.org/officeDocument/2006/relationships" xmlns:p="http://schemas.openxmlformats.org/presentationml/2006/main">
   <p:cSld>
     <p:spTree>
@@ -14688,7 +14391,7 @@
 </p:sld>
 </file>
 
-<file path=ppt/slides/slide15.xml><?xml version="1.0" encoding="utf-8"?>
+<file path=ppt/slides/slide14.xml><?xml version="1.0" encoding="utf-8"?>
 <p:sld xmlns:a="http://schemas.openxmlformats.org/drawingml/2006/main" xmlns:r="http://schemas.openxmlformats.org/officeDocument/2006/relationships" xmlns:p="http://schemas.openxmlformats.org/presentationml/2006/main">
   <p:cSld>
     <p:spTree>
@@ -15098,7 +14801,7 @@
 </p:sld>
 </file>
 
-<file path=ppt/slides/slide16.xml><?xml version="1.0" encoding="utf-8"?>
+<file path=ppt/slides/slide15.xml><?xml version="1.0" encoding="utf-8"?>
 <p:sld xmlns:a="http://schemas.openxmlformats.org/drawingml/2006/main" xmlns:r="http://schemas.openxmlformats.org/officeDocument/2006/relationships" xmlns:p="http://schemas.openxmlformats.org/presentationml/2006/main">
   <p:cSld>
     <p:spTree>
@@ -15407,293 +15110,7 @@
 </p:sld>
 </file>
 
-<file path=ppt/slides/slide17.xml><?xml version="1.0" encoding="utf-8"?>
-<p:sld xmlns:a="http://schemas.openxmlformats.org/drawingml/2006/main" xmlns:r="http://schemas.openxmlformats.org/officeDocument/2006/relationships" xmlns:p="http://schemas.openxmlformats.org/presentationml/2006/main">
-  <p:cSld>
-    <p:spTree>
-      <p:nvGrpSpPr>
-        <p:cNvPr id="1" name=""/>
-        <p:cNvGrpSpPr/>
-        <p:nvPr/>
-      </p:nvGrpSpPr>
-      <p:grpSpPr>
-        <a:xfrm>
-          <a:off x="0" y="0"/>
-          <a:ext cx="0" cy="0"/>
-          <a:chOff x="0" y="0"/>
-          <a:chExt cx="0" cy="0"/>
-        </a:xfrm>
-      </p:grpSpPr>
-      <p:sp>
-        <p:nvSpPr>
-          <p:cNvPr id="10" name="Content Placeholder 2"/>
-          <p:cNvSpPr txBox="1">
-            <a:spLocks/>
-          </p:cNvSpPr>
-          <p:nvPr/>
-        </p:nvSpPr>
-        <p:spPr>
-          <a:xfrm>
-            <a:off x="2173224" y="338146"/>
-            <a:ext cx="7117998" cy="1162579"/>
-          </a:xfrm>
-          <a:prstGeom prst="rect">
-            <a:avLst/>
-          </a:prstGeom>
-        </p:spPr>
-        <p:txBody>
-          <a:bodyPr vert="horz" lIns="91440" tIns="45720" rIns="91440" bIns="45720" rtlCol="0">
-            <a:normAutofit/>
-          </a:bodyPr>
-          <a:lstStyle>
-            <a:lvl1pPr marL="228600" indent="-228600" algn="l" defTabSz="914400" rtl="0" eaLnBrk="1" latinLnBrk="0" hangingPunct="1">
-              <a:lnSpc>
-                <a:spcPct val="120000"/>
-              </a:lnSpc>
-              <a:spcBef>
-                <a:spcPts val="1000"/>
-              </a:spcBef>
-              <a:buSzPct val="125000"/>
-              <a:buFont typeface="Arial" panose="020B0604020202020204" pitchFamily="34" charset="0"/>
-              <a:buChar char="•"/>
-              <a:defRPr sz="2400" kern="1200">
-                <a:solidFill>
-                  <a:schemeClr val="tx1"/>
-                </a:solidFill>
-                <a:latin typeface="+mn-lt"/>
-                <a:ea typeface="+mn-ea"/>
-                <a:cs typeface="+mn-cs"/>
-              </a:defRPr>
-            </a:lvl1pPr>
-            <a:lvl2pPr marL="685800" indent="-228600" algn="l" defTabSz="914400" rtl="0" eaLnBrk="1" latinLnBrk="0" hangingPunct="1">
-              <a:lnSpc>
-                <a:spcPct val="120000"/>
-              </a:lnSpc>
-              <a:spcBef>
-                <a:spcPts val="500"/>
-              </a:spcBef>
-              <a:buSzPct val="125000"/>
-              <a:buFont typeface="Arial" panose="020B0604020202020204" pitchFamily="34" charset="0"/>
-              <a:buChar char="•"/>
-              <a:defRPr sz="2000" kern="1200">
-                <a:solidFill>
-                  <a:schemeClr val="tx1"/>
-                </a:solidFill>
-                <a:latin typeface="+mn-lt"/>
-                <a:ea typeface="+mn-ea"/>
-                <a:cs typeface="+mn-cs"/>
-              </a:defRPr>
-            </a:lvl2pPr>
-            <a:lvl3pPr marL="1143000" indent="-228600" algn="l" defTabSz="914400" rtl="0" eaLnBrk="1" latinLnBrk="0" hangingPunct="1">
-              <a:lnSpc>
-                <a:spcPct val="120000"/>
-              </a:lnSpc>
-              <a:spcBef>
-                <a:spcPts val="500"/>
-              </a:spcBef>
-              <a:buSzPct val="125000"/>
-              <a:buFont typeface="Arial" panose="020B0604020202020204" pitchFamily="34" charset="0"/>
-              <a:buChar char="•"/>
-              <a:defRPr sz="1800" kern="1200">
-                <a:solidFill>
-                  <a:schemeClr val="tx1"/>
-                </a:solidFill>
-                <a:latin typeface="+mn-lt"/>
-                <a:ea typeface="+mn-ea"/>
-                <a:cs typeface="+mn-cs"/>
-              </a:defRPr>
-            </a:lvl3pPr>
-            <a:lvl4pPr marL="1600200" indent="-228600" algn="l" defTabSz="914400" rtl="0" eaLnBrk="1" latinLnBrk="0" hangingPunct="1">
-              <a:lnSpc>
-                <a:spcPct val="120000"/>
-              </a:lnSpc>
-              <a:spcBef>
-                <a:spcPts val="500"/>
-              </a:spcBef>
-              <a:buSzPct val="125000"/>
-              <a:buFont typeface="Arial" panose="020B0604020202020204" pitchFamily="34" charset="0"/>
-              <a:buChar char="•"/>
-              <a:defRPr sz="1600" kern="1200">
-                <a:solidFill>
-                  <a:schemeClr val="tx1"/>
-                </a:solidFill>
-                <a:latin typeface="+mn-lt"/>
-                <a:ea typeface="+mn-ea"/>
-                <a:cs typeface="+mn-cs"/>
-              </a:defRPr>
-            </a:lvl4pPr>
-            <a:lvl5pPr marL="2057400" indent="-228600" algn="l" defTabSz="914400" rtl="0" eaLnBrk="1" latinLnBrk="0" hangingPunct="1">
-              <a:lnSpc>
-                <a:spcPct val="120000"/>
-              </a:lnSpc>
-              <a:spcBef>
-                <a:spcPts val="500"/>
-              </a:spcBef>
-              <a:buSzPct val="125000"/>
-              <a:buFont typeface="Arial" panose="020B0604020202020204" pitchFamily="34" charset="0"/>
-              <a:buChar char="•"/>
-              <a:defRPr sz="1600" kern="1200">
-                <a:solidFill>
-                  <a:schemeClr val="tx1"/>
-                </a:solidFill>
-                <a:latin typeface="+mn-lt"/>
-                <a:ea typeface="+mn-ea"/>
-                <a:cs typeface="+mn-cs"/>
-              </a:defRPr>
-            </a:lvl5pPr>
-            <a:lvl6pPr marL="2514600" indent="-228600" algn="l" defTabSz="914400" rtl="0" eaLnBrk="1" latinLnBrk="0" hangingPunct="1">
-              <a:lnSpc>
-                <a:spcPct val="120000"/>
-              </a:lnSpc>
-              <a:spcBef>
-                <a:spcPts val="500"/>
-              </a:spcBef>
-              <a:buSzPct val="125000"/>
-              <a:buFont typeface="Arial" panose="020B0604020202020204" pitchFamily="34" charset="0"/>
-              <a:buChar char="•"/>
-              <a:defRPr sz="1400" kern="1200">
-                <a:solidFill>
-                  <a:schemeClr val="tx1"/>
-                </a:solidFill>
-                <a:latin typeface="+mn-lt"/>
-                <a:ea typeface="+mn-ea"/>
-                <a:cs typeface="+mn-cs"/>
-              </a:defRPr>
-            </a:lvl6pPr>
-            <a:lvl7pPr marL="2971800" indent="-228600" algn="l" defTabSz="914400" rtl="0" eaLnBrk="1" latinLnBrk="0" hangingPunct="1">
-              <a:lnSpc>
-                <a:spcPct val="120000"/>
-              </a:lnSpc>
-              <a:spcBef>
-                <a:spcPts val="500"/>
-              </a:spcBef>
-              <a:buSzPct val="125000"/>
-              <a:buFont typeface="Arial" panose="020B0604020202020204" pitchFamily="34" charset="0"/>
-              <a:buChar char="•"/>
-              <a:defRPr sz="1400" kern="1200">
-                <a:solidFill>
-                  <a:schemeClr val="tx1"/>
-                </a:solidFill>
-                <a:latin typeface="+mn-lt"/>
-                <a:ea typeface="+mn-ea"/>
-                <a:cs typeface="+mn-cs"/>
-              </a:defRPr>
-            </a:lvl7pPr>
-            <a:lvl8pPr marL="3429000" indent="-228600" algn="l" defTabSz="914400" rtl="0" eaLnBrk="1" latinLnBrk="0" hangingPunct="1">
-              <a:lnSpc>
-                <a:spcPct val="120000"/>
-              </a:lnSpc>
-              <a:spcBef>
-                <a:spcPts val="500"/>
-              </a:spcBef>
-              <a:buSzPct val="125000"/>
-              <a:buFont typeface="Arial" panose="020B0604020202020204" pitchFamily="34" charset="0"/>
-              <a:buChar char="•"/>
-              <a:defRPr sz="1400" kern="1200">
-                <a:solidFill>
-                  <a:schemeClr val="tx1"/>
-                </a:solidFill>
-                <a:latin typeface="+mn-lt"/>
-                <a:ea typeface="+mn-ea"/>
-                <a:cs typeface="+mn-cs"/>
-              </a:defRPr>
-            </a:lvl8pPr>
-            <a:lvl9pPr marL="3886200" indent="-228600" algn="l" defTabSz="914400" rtl="0" eaLnBrk="1" latinLnBrk="0" hangingPunct="1">
-              <a:lnSpc>
-                <a:spcPct val="120000"/>
-              </a:lnSpc>
-              <a:spcBef>
-                <a:spcPts val="500"/>
-              </a:spcBef>
-              <a:buSzPct val="125000"/>
-              <a:buFont typeface="Arial" panose="020B0604020202020204" pitchFamily="34" charset="0"/>
-              <a:buChar char="•"/>
-              <a:defRPr sz="1400" kern="1200">
-                <a:solidFill>
-                  <a:schemeClr val="tx1"/>
-                </a:solidFill>
-                <a:latin typeface="+mn-lt"/>
-                <a:ea typeface="+mn-ea"/>
-                <a:cs typeface="+mn-cs"/>
-              </a:defRPr>
-            </a:lvl9pPr>
-          </a:lstStyle>
-          <a:p>
-            <a:pPr marL="0" indent="0" algn="ctr">
-              <a:buFont typeface="Arial" panose="020B0604020202020204" pitchFamily="34" charset="0"/>
-              <a:buNone/>
-            </a:pPr>
-            <a:r>
-              <a:rPr lang="en-US" sz="3200" noProof="1" smtClean="0">
-                <a:solidFill>
-                  <a:schemeClr val="bg1"/>
-                </a:solidFill>
-                <a:effectLst>
-                  <a:outerShdw blurRad="38100" dist="38100" dir="2700000" algn="tl">
-                    <a:srgbClr val="000000">
-                      <a:alpha val="43137"/>
-                    </a:srgbClr>
-                  </a:outerShdw>
-                </a:effectLst>
-                <a:latin typeface="Segoe UI" panose="020B0502040204020203" pitchFamily="34" charset="0"/>
-                <a:cs typeface="Segoe UI" panose="020B0502040204020203" pitchFamily="34" charset="0"/>
-              </a:rPr>
-              <a:t>Terraform</a:t>
-            </a:r>
-          </a:p>
-        </p:txBody>
-      </p:sp>
-      <p:pic>
-        <p:nvPicPr>
-          <p:cNvPr id="3" name="Picture 2"/>
-          <p:cNvPicPr>
-            <a:picLocks noChangeAspect="1"/>
-          </p:cNvPicPr>
-          <p:nvPr/>
-        </p:nvPicPr>
-        <p:blipFill>
-          <a:blip r:embed="rId2">
-            <a:extLst>
-              <a:ext uri="{28A0092B-C50C-407E-A947-70E740481C1C}">
-                <a14:useLocalDpi xmlns:a14="http://schemas.microsoft.com/office/drawing/2010/main" val="0"/>
-              </a:ext>
-            </a:extLst>
-          </a:blip>
-          <a:stretch>
-            <a:fillRect/>
-          </a:stretch>
-        </p:blipFill>
-        <p:spPr>
-          <a:xfrm>
-            <a:off x="3010454" y="1576925"/>
-            <a:ext cx="5443537" cy="3953291"/>
-          </a:xfrm>
-          <a:prstGeom prst="rect">
-            <a:avLst/>
-          </a:prstGeom>
-        </p:spPr>
-      </p:pic>
-    </p:spTree>
-    <p:extLst>
-      <p:ext uri="{BB962C8B-B14F-4D97-AF65-F5344CB8AC3E}">
-        <p14:creationId xmlns:p14="http://schemas.microsoft.com/office/powerpoint/2010/main" val="680838668"/>
-      </p:ext>
-    </p:extLst>
-  </p:cSld>
-  <p:clrMapOvr>
-    <a:masterClrMapping/>
-  </p:clrMapOvr>
-  <p:timing>
-    <p:tnLst>
-      <p:par>
-        <p:cTn id="1" dur="indefinite" restart="never" nodeType="tmRoot"/>
-      </p:par>
-    </p:tnLst>
-  </p:timing>
-</p:sld>
-</file>
-
-<file path=ppt/slides/slide18.xml><?xml version="1.0" encoding="utf-8"?>
+<file path=ppt/slides/slide16.xml><?xml version="1.0" encoding="utf-8"?>
 <p:sld xmlns:a="http://schemas.openxmlformats.org/drawingml/2006/main" xmlns:r="http://schemas.openxmlformats.org/officeDocument/2006/relationships" xmlns:p="http://schemas.openxmlformats.org/presentationml/2006/main">
   <p:cSld>
     <p:spTree>
@@ -16670,20 +16087,6 @@
               </a:rPr>
               <a:t>Apache Jmeter</a:t>
             </a:r>
-            <a:endParaRPr lang="en-US" sz="3200" noProof="1" smtClean="0">
-              <a:solidFill>
-                <a:schemeClr val="bg1"/>
-              </a:solidFill>
-              <a:effectLst>
-                <a:outerShdw blurRad="38100" dist="38100" dir="2700000" algn="tl">
-                  <a:srgbClr val="000000">
-                    <a:alpha val="43137"/>
-                  </a:srgbClr>
-                </a:outerShdw>
-              </a:effectLst>
-              <a:latin typeface="Segoe UI" panose="020B0502040204020203" pitchFamily="34" charset="0"/>
-              <a:cs typeface="Segoe UI" panose="020B0502040204020203" pitchFamily="34" charset="0"/>
-            </a:endParaRPr>
           </a:p>
         </p:txBody>
       </p:sp>
@@ -17073,20 +16476,6 @@
               </a:rPr>
               <a:t>Apache Jmeter</a:t>
             </a:r>
-            <a:endParaRPr lang="en-US" sz="3200" noProof="1" smtClean="0">
-              <a:solidFill>
-                <a:schemeClr val="bg1"/>
-              </a:solidFill>
-              <a:effectLst>
-                <a:outerShdw blurRad="38100" dist="38100" dir="2700000" algn="tl">
-                  <a:srgbClr val="000000">
-                    <a:alpha val="43137"/>
-                  </a:srgbClr>
-                </a:outerShdw>
-              </a:effectLst>
-              <a:latin typeface="Segoe UI" panose="020B0502040204020203" pitchFamily="34" charset="0"/>
-              <a:cs typeface="Segoe UI" panose="020B0502040204020203" pitchFamily="34" charset="0"/>
-            </a:endParaRPr>
           </a:p>
         </p:txBody>
       </p:sp>
@@ -17397,20 +16786,6 @@
               </a:rPr>
               <a:t>Docker</a:t>
             </a:r>
-            <a:endParaRPr lang="en-US" sz="3200" noProof="1" smtClean="0">
-              <a:solidFill>
-                <a:schemeClr val="bg1"/>
-              </a:solidFill>
-              <a:effectLst>
-                <a:outerShdw blurRad="38100" dist="38100" dir="2700000" algn="tl">
-                  <a:srgbClr val="000000">
-                    <a:alpha val="43137"/>
-                  </a:srgbClr>
-                </a:outerShdw>
-              </a:effectLst>
-              <a:latin typeface="Segoe UI" panose="020B0502040204020203" pitchFamily="34" charset="0"/>
-              <a:cs typeface="Segoe UI" panose="020B0502040204020203" pitchFamily="34" charset="0"/>
-            </a:endParaRPr>
           </a:p>
         </p:txBody>
       </p:sp>
@@ -17787,24 +17162,7 @@
                 <a:latin typeface="Segoe UI" panose="020B0502040204020203" pitchFamily="34" charset="0"/>
                 <a:cs typeface="Segoe UI" panose="020B0502040204020203" pitchFamily="34" charset="0"/>
               </a:rPr>
-              <a:t>Sanal Makine</a:t>
-            </a:r>
-            <a:r>
-              <a:rPr lang="en-US" sz="3200" noProof="1" smtClean="0">
-                <a:solidFill>
-                  <a:schemeClr val="bg1"/>
-                </a:solidFill>
-                <a:effectLst>
-                  <a:outerShdw blurRad="38100" dist="38100" dir="2700000" algn="tl">
-                    <a:srgbClr val="000000">
-                      <a:alpha val="43137"/>
-                    </a:srgbClr>
-                  </a:outerShdw>
-                </a:effectLst>
-                <a:latin typeface="Segoe UI" panose="020B0502040204020203" pitchFamily="34" charset="0"/>
-                <a:cs typeface="Segoe UI" panose="020B0502040204020203" pitchFamily="34" charset="0"/>
-              </a:rPr>
-              <a:t>  ve Docker Farkı</a:t>
+              <a:t>Sanal Makine  ve Docker Farkı</a:t>
             </a:r>
           </a:p>
         </p:txBody>
@@ -18098,20 +17456,6 @@
               </a:rPr>
               <a:t>Docker İmajı ve Konteyner</a:t>
             </a:r>
-            <a:endParaRPr lang="en-US" sz="3200" noProof="1" smtClean="0">
-              <a:solidFill>
-                <a:schemeClr val="bg1"/>
-              </a:solidFill>
-              <a:effectLst>
-                <a:outerShdw blurRad="38100" dist="38100" dir="2700000" algn="tl">
-                  <a:srgbClr val="000000">
-                    <a:alpha val="43137"/>
-                  </a:srgbClr>
-                </a:outerShdw>
-              </a:effectLst>
-              <a:latin typeface="Segoe UI" panose="020B0502040204020203" pitchFamily="34" charset="0"/>
-              <a:cs typeface="Segoe UI" panose="020B0502040204020203" pitchFamily="34" charset="0"/>
-            </a:endParaRPr>
           </a:p>
         </p:txBody>
       </p:sp>

--- a/src/Presentation.pptx
+++ b/src/Presentation.pptx
@@ -10,17 +10,16 @@
     <p:sldId id="260" r:id="rId4"/>
     <p:sldId id="261" r:id="rId5"/>
     <p:sldId id="262" r:id="rId6"/>
-    <p:sldId id="264" r:id="rId7"/>
-    <p:sldId id="263" r:id="rId8"/>
-    <p:sldId id="266" r:id="rId9"/>
-    <p:sldId id="267" r:id="rId10"/>
-    <p:sldId id="269" r:id="rId11"/>
-    <p:sldId id="268" r:id="rId12"/>
-    <p:sldId id="273" r:id="rId13"/>
-    <p:sldId id="272" r:id="rId14"/>
-    <p:sldId id="274" r:id="rId15"/>
-    <p:sldId id="275" r:id="rId16"/>
-    <p:sldId id="258" r:id="rId17"/>
+    <p:sldId id="263" r:id="rId7"/>
+    <p:sldId id="266" r:id="rId8"/>
+    <p:sldId id="267" r:id="rId9"/>
+    <p:sldId id="269" r:id="rId10"/>
+    <p:sldId id="268" r:id="rId11"/>
+    <p:sldId id="273" r:id="rId12"/>
+    <p:sldId id="272" r:id="rId13"/>
+    <p:sldId id="274" r:id="rId14"/>
+    <p:sldId id="275" r:id="rId15"/>
+    <p:sldId id="258" r:id="rId16"/>
   </p:sldIdLst>
   <p:sldSz cx="12192000" cy="6858000"/>
   <p:notesSz cx="6858000" cy="9144000"/>
@@ -177,7 +176,7 @@
           <a:noFill/>
           <a:extLst>
             <a:ext uri="{909E8E84-426E-40dd-AFC4-6F175D3DCCD1}">
-              <a14:hiddenFill xmlns:a14="http://schemas.microsoft.com/office/drawing/2010/main" xmlns="">
+              <a14:hiddenFill xmlns="" xmlns:a14="http://schemas.microsoft.com/office/drawing/2010/main">
                 <a:solidFill>
                   <a:srgbClr val="FFFFFF"/>
                 </a:solidFill>
@@ -237,7 +236,7 @@
             </a:ln>
             <a:extLst>
               <a:ext uri="{91240B29-F687-4f45-9708-019B960494DF}">
-                <a14:hiddenLine xmlns:a14="http://schemas.microsoft.com/office/drawing/2010/main" xmlns="" w="9525">
+                <a14:hiddenLine xmlns="" xmlns:a14="http://schemas.microsoft.com/office/drawing/2010/main" w="9525">
                   <a:solidFill>
                     <a:srgbClr val="000000"/>
                   </a:solidFill>
@@ -327,7 +326,7 @@
             </a:ln>
             <a:extLst>
               <a:ext uri="{91240B29-F687-4f45-9708-019B960494DF}">
-                <a14:hiddenLine xmlns:a14="http://schemas.microsoft.com/office/drawing/2010/main" xmlns="" w="9525">
+                <a14:hiddenLine xmlns="" xmlns:a14="http://schemas.microsoft.com/office/drawing/2010/main" w="9525">
                   <a:solidFill>
                     <a:srgbClr val="000000"/>
                   </a:solidFill>
@@ -417,7 +416,7 @@
             </a:ln>
             <a:extLst>
               <a:ext uri="{91240B29-F687-4f45-9708-019B960494DF}">
-                <a14:hiddenLine xmlns:a14="http://schemas.microsoft.com/office/drawing/2010/main" xmlns="" w="9525">
+                <a14:hiddenLine xmlns="" xmlns:a14="http://schemas.microsoft.com/office/drawing/2010/main" w="9525">
                   <a:solidFill>
                     <a:srgbClr val="000000"/>
                   </a:solidFill>
@@ -451,7 +450,7 @@
             </a:ln>
             <a:extLst>
               <a:ext uri="{91240B29-F687-4f45-9708-019B960494DF}">
-                <a14:hiddenLine xmlns:a14="http://schemas.microsoft.com/office/drawing/2010/main" xmlns="" w="9525">
+                <a14:hiddenLine xmlns="" xmlns:a14="http://schemas.microsoft.com/office/drawing/2010/main" w="9525">
                   <a:solidFill>
                     <a:srgbClr val="000000"/>
                   </a:solidFill>
@@ -541,7 +540,7 @@
             </a:ln>
             <a:extLst>
               <a:ext uri="{91240B29-F687-4f45-9708-019B960494DF}">
-                <a14:hiddenLine xmlns:a14="http://schemas.microsoft.com/office/drawing/2010/main" xmlns="" w="9525">
+                <a14:hiddenLine xmlns="" xmlns:a14="http://schemas.microsoft.com/office/drawing/2010/main" w="9525">
                   <a:solidFill>
                     <a:srgbClr val="000000"/>
                   </a:solidFill>
@@ -603,7 +602,7 @@
             </a:ln>
             <a:extLst>
               <a:ext uri="{91240B29-F687-4f45-9708-019B960494DF}">
-                <a14:hiddenLine xmlns:a14="http://schemas.microsoft.com/office/drawing/2010/main" xmlns="" w="9525">
+                <a14:hiddenLine xmlns="" xmlns:a14="http://schemas.microsoft.com/office/drawing/2010/main" w="9525">
                   <a:solidFill>
                     <a:srgbClr val="000000"/>
                   </a:solidFill>
@@ -665,7 +664,7 @@
             </a:ln>
             <a:extLst>
               <a:ext uri="{91240B29-F687-4f45-9708-019B960494DF}">
-                <a14:hiddenLine xmlns:a14="http://schemas.microsoft.com/office/drawing/2010/main" xmlns="" w="9525">
+                <a14:hiddenLine xmlns="" xmlns:a14="http://schemas.microsoft.com/office/drawing/2010/main" w="9525">
                   <a:solidFill>
                     <a:srgbClr val="000000"/>
                   </a:solidFill>
@@ -755,7 +754,7 @@
             </a:ln>
             <a:extLst>
               <a:ext uri="{91240B29-F687-4f45-9708-019B960494DF}">
-                <a14:hiddenLine xmlns:a14="http://schemas.microsoft.com/office/drawing/2010/main" xmlns="" w="9525">
+                <a14:hiddenLine xmlns="" xmlns:a14="http://schemas.microsoft.com/office/drawing/2010/main" w="9525">
                   <a:solidFill>
                     <a:srgbClr val="000000"/>
                   </a:solidFill>
@@ -817,7 +816,7 @@
             </a:ln>
             <a:extLst>
               <a:ext uri="{91240B29-F687-4f45-9708-019B960494DF}">
-                <a14:hiddenLine xmlns:a14="http://schemas.microsoft.com/office/drawing/2010/main" xmlns="" w="9525">
+                <a14:hiddenLine xmlns="" xmlns:a14="http://schemas.microsoft.com/office/drawing/2010/main" w="9525">
                   <a:solidFill>
                     <a:srgbClr val="000000"/>
                   </a:solidFill>
@@ -879,7 +878,7 @@
             </a:ln>
             <a:extLst>
               <a:ext uri="{91240B29-F687-4f45-9708-019B960494DF}">
-                <a14:hiddenLine xmlns:a14="http://schemas.microsoft.com/office/drawing/2010/main" xmlns="" w="9525">
+                <a14:hiddenLine xmlns="" xmlns:a14="http://schemas.microsoft.com/office/drawing/2010/main" w="9525">
                   <a:solidFill>
                     <a:srgbClr val="000000"/>
                   </a:solidFill>
@@ -969,7 +968,7 @@
             </a:ln>
             <a:extLst>
               <a:ext uri="{91240B29-F687-4f45-9708-019B960494DF}">
-                <a14:hiddenLine xmlns:a14="http://schemas.microsoft.com/office/drawing/2010/main" xmlns="" w="9525">
+                <a14:hiddenLine xmlns="" xmlns:a14="http://schemas.microsoft.com/office/drawing/2010/main" w="9525">
                   <a:solidFill>
                     <a:srgbClr val="000000"/>
                   </a:solidFill>
@@ -1059,7 +1058,7 @@
             </a:ln>
             <a:extLst>
               <a:ext uri="{91240B29-F687-4f45-9708-019B960494DF}">
-                <a14:hiddenLine xmlns:a14="http://schemas.microsoft.com/office/drawing/2010/main" xmlns="" w="9525">
+                <a14:hiddenLine xmlns="" xmlns:a14="http://schemas.microsoft.com/office/drawing/2010/main" w="9525">
                   <a:solidFill>
                     <a:srgbClr val="000000"/>
                   </a:solidFill>
@@ -1121,7 +1120,7 @@
             </a:ln>
             <a:extLst>
               <a:ext uri="{91240B29-F687-4f45-9708-019B960494DF}">
-                <a14:hiddenLine xmlns:a14="http://schemas.microsoft.com/office/drawing/2010/main" xmlns="" w="9525">
+                <a14:hiddenLine xmlns="" xmlns:a14="http://schemas.microsoft.com/office/drawing/2010/main" w="9525">
                   <a:solidFill>
                     <a:srgbClr val="000000"/>
                   </a:solidFill>
@@ -1231,7 +1230,7 @@
             </a:ln>
             <a:extLst>
               <a:ext uri="{91240B29-F687-4f45-9708-019B960494DF}">
-                <a14:hiddenLine xmlns:a14="http://schemas.microsoft.com/office/drawing/2010/main" xmlns="" w="9525">
+                <a14:hiddenLine xmlns="" xmlns:a14="http://schemas.microsoft.com/office/drawing/2010/main" w="9525">
                   <a:solidFill>
                     <a:srgbClr val="000000"/>
                   </a:solidFill>
@@ -1293,7 +1292,7 @@
             </a:ln>
             <a:extLst>
               <a:ext uri="{91240B29-F687-4f45-9708-019B960494DF}">
-                <a14:hiddenLine xmlns:a14="http://schemas.microsoft.com/office/drawing/2010/main" xmlns="" w="9525">
+                <a14:hiddenLine xmlns="" xmlns:a14="http://schemas.microsoft.com/office/drawing/2010/main" w="9525">
                   <a:solidFill>
                     <a:srgbClr val="000000"/>
                   </a:solidFill>
@@ -1383,7 +1382,7 @@
             </a:ln>
             <a:extLst>
               <a:ext uri="{91240B29-F687-4f45-9708-019B960494DF}">
-                <a14:hiddenLine xmlns:a14="http://schemas.microsoft.com/office/drawing/2010/main" xmlns="" w="9525">
+                <a14:hiddenLine xmlns="" xmlns:a14="http://schemas.microsoft.com/office/drawing/2010/main" w="9525">
                   <a:solidFill>
                     <a:srgbClr val="000000"/>
                   </a:solidFill>
@@ -1473,7 +1472,7 @@
             </a:ln>
             <a:extLst>
               <a:ext uri="{91240B29-F687-4f45-9708-019B960494DF}">
-                <a14:hiddenLine xmlns:a14="http://schemas.microsoft.com/office/drawing/2010/main" xmlns="" w="9525">
+                <a14:hiddenLine xmlns="" xmlns:a14="http://schemas.microsoft.com/office/drawing/2010/main" w="9525">
                   <a:solidFill>
                     <a:srgbClr val="000000"/>
                   </a:solidFill>
@@ -1535,7 +1534,7 @@
             </a:ln>
             <a:extLst>
               <a:ext uri="{91240B29-F687-4f45-9708-019B960494DF}">
-                <a14:hiddenLine xmlns:a14="http://schemas.microsoft.com/office/drawing/2010/main" xmlns="" w="9525">
+                <a14:hiddenLine xmlns="" xmlns:a14="http://schemas.microsoft.com/office/drawing/2010/main" w="9525">
                   <a:solidFill>
                     <a:srgbClr val="000000"/>
                   </a:solidFill>
@@ -1625,7 +1624,7 @@
             </a:ln>
             <a:extLst>
               <a:ext uri="{91240B29-F687-4f45-9708-019B960494DF}">
-                <a14:hiddenLine xmlns:a14="http://schemas.microsoft.com/office/drawing/2010/main" xmlns="" w="9525">
+                <a14:hiddenLine xmlns="" xmlns:a14="http://schemas.microsoft.com/office/drawing/2010/main" w="9525">
                   <a:solidFill>
                     <a:srgbClr val="000000"/>
                   </a:solidFill>
@@ -1715,7 +1714,7 @@
             </a:ln>
             <a:extLst>
               <a:ext uri="{91240B29-F687-4f45-9708-019B960494DF}">
-                <a14:hiddenLine xmlns:a14="http://schemas.microsoft.com/office/drawing/2010/main" xmlns="" w="9525">
+                <a14:hiddenLine xmlns="" xmlns:a14="http://schemas.microsoft.com/office/drawing/2010/main" w="9525">
                   <a:solidFill>
                     <a:srgbClr val="000000"/>
                   </a:solidFill>
@@ -1771,7 +1770,7 @@
             </a:ln>
             <a:extLst>
               <a:ext uri="{91240B29-F687-4f45-9708-019B960494DF}">
-                <a14:hiddenLine xmlns:a14="http://schemas.microsoft.com/office/drawing/2010/main" xmlns="" w="9525">
+                <a14:hiddenLine xmlns="" xmlns:a14="http://schemas.microsoft.com/office/drawing/2010/main" w="9525">
                   <a:solidFill>
                     <a:srgbClr val="000000"/>
                   </a:solidFill>
@@ -1861,7 +1860,7 @@
             </a:ln>
             <a:extLst>
               <a:ext uri="{91240B29-F687-4f45-9708-019B960494DF}">
-                <a14:hiddenLine xmlns:a14="http://schemas.microsoft.com/office/drawing/2010/main" xmlns="" w="9525">
+                <a14:hiddenLine xmlns="" xmlns:a14="http://schemas.microsoft.com/office/drawing/2010/main" w="9525">
                   <a:solidFill>
                     <a:srgbClr val="000000"/>
                   </a:solidFill>
@@ -1917,7 +1916,7 @@
             </a:ln>
             <a:extLst>
               <a:ext uri="{91240B29-F687-4f45-9708-019B960494DF}">
-                <a14:hiddenLine xmlns:a14="http://schemas.microsoft.com/office/drawing/2010/main" xmlns="" w="9525">
+                <a14:hiddenLine xmlns="" xmlns:a14="http://schemas.microsoft.com/office/drawing/2010/main" w="9525">
                   <a:solidFill>
                     <a:srgbClr val="000000"/>
                   </a:solidFill>
@@ -2007,7 +2006,7 @@
             </a:ln>
             <a:extLst>
               <a:ext uri="{91240B29-F687-4f45-9708-019B960494DF}">
-                <a14:hiddenLine xmlns:a14="http://schemas.microsoft.com/office/drawing/2010/main" xmlns="" w="9525">
+                <a14:hiddenLine xmlns="" xmlns:a14="http://schemas.microsoft.com/office/drawing/2010/main" w="9525">
                   <a:solidFill>
                     <a:srgbClr val="000000"/>
                   </a:solidFill>
@@ -2075,7 +2074,7 @@
             </a:ln>
             <a:extLst>
               <a:ext uri="{91240B29-F687-4f45-9708-019B960494DF}">
-                <a14:hiddenLine xmlns:a14="http://schemas.microsoft.com/office/drawing/2010/main" xmlns="" w="9525">
+                <a14:hiddenLine xmlns="" xmlns:a14="http://schemas.microsoft.com/office/drawing/2010/main" w="9525">
                   <a:solidFill>
                     <a:srgbClr val="000000"/>
                   </a:solidFill>
@@ -2165,7 +2164,7 @@
             </a:ln>
             <a:extLst>
               <a:ext uri="{91240B29-F687-4f45-9708-019B960494DF}">
-                <a14:hiddenLine xmlns:a14="http://schemas.microsoft.com/office/drawing/2010/main" xmlns="" w="9525">
+                <a14:hiddenLine xmlns="" xmlns:a14="http://schemas.microsoft.com/office/drawing/2010/main" w="9525">
                   <a:solidFill>
                     <a:srgbClr val="000000"/>
                   </a:solidFill>
@@ -2233,7 +2232,7 @@
             </a:ln>
             <a:extLst>
               <a:ext uri="{91240B29-F687-4f45-9708-019B960494DF}">
-                <a14:hiddenLine xmlns:a14="http://schemas.microsoft.com/office/drawing/2010/main" xmlns="" w="9525">
+                <a14:hiddenLine xmlns="" xmlns:a14="http://schemas.microsoft.com/office/drawing/2010/main" w="9525">
                   <a:solidFill>
                     <a:srgbClr val="000000"/>
                   </a:solidFill>
@@ -2323,7 +2322,7 @@
             </a:ln>
             <a:extLst>
               <a:ext uri="{91240B29-F687-4f45-9708-019B960494DF}">
-                <a14:hiddenLine xmlns:a14="http://schemas.microsoft.com/office/drawing/2010/main" xmlns="" w="9525">
+                <a14:hiddenLine xmlns="" xmlns:a14="http://schemas.microsoft.com/office/drawing/2010/main" w="9525">
                   <a:solidFill>
                     <a:srgbClr val="000000"/>
                   </a:solidFill>
@@ -2357,7 +2356,7 @@
             </a:ln>
             <a:extLst>
               <a:ext uri="{91240B29-F687-4f45-9708-019B960494DF}">
-                <a14:hiddenLine xmlns:a14="http://schemas.microsoft.com/office/drawing/2010/main" xmlns="" w="9525">
+                <a14:hiddenLine xmlns="" xmlns:a14="http://schemas.microsoft.com/office/drawing/2010/main" w="9525">
                   <a:solidFill>
                     <a:srgbClr val="000000"/>
                   </a:solidFill>
@@ -2447,7 +2446,7 @@
             </a:ln>
             <a:extLst>
               <a:ext uri="{91240B29-F687-4f45-9708-019B960494DF}">
-                <a14:hiddenLine xmlns:a14="http://schemas.microsoft.com/office/drawing/2010/main" xmlns="" w="9525">
+                <a14:hiddenLine xmlns="" xmlns:a14="http://schemas.microsoft.com/office/drawing/2010/main" w="9525">
                   <a:solidFill>
                     <a:srgbClr val="000000"/>
                   </a:solidFill>
@@ -2509,7 +2508,7 @@
             </a:ln>
             <a:extLst>
               <a:ext uri="{91240B29-F687-4f45-9708-019B960494DF}">
-                <a14:hiddenLine xmlns:a14="http://schemas.microsoft.com/office/drawing/2010/main" xmlns="" w="9525">
+                <a14:hiddenLine xmlns="" xmlns:a14="http://schemas.microsoft.com/office/drawing/2010/main" w="9525">
                   <a:solidFill>
                     <a:srgbClr val="000000"/>
                   </a:solidFill>
@@ -2571,7 +2570,7 @@
             </a:ln>
             <a:extLst>
               <a:ext uri="{91240B29-F687-4f45-9708-019B960494DF}">
-                <a14:hiddenLine xmlns:a14="http://schemas.microsoft.com/office/drawing/2010/main" xmlns="" w="9525">
+                <a14:hiddenLine xmlns="" xmlns:a14="http://schemas.microsoft.com/office/drawing/2010/main" w="9525">
                   <a:solidFill>
                     <a:srgbClr val="000000"/>
                   </a:solidFill>
@@ -2661,7 +2660,7 @@
             </a:ln>
             <a:extLst>
               <a:ext uri="{91240B29-F687-4f45-9708-019B960494DF}">
-                <a14:hiddenLine xmlns:a14="http://schemas.microsoft.com/office/drawing/2010/main" xmlns="" w="9525">
+                <a14:hiddenLine xmlns="" xmlns:a14="http://schemas.microsoft.com/office/drawing/2010/main" w="9525">
                   <a:solidFill>
                     <a:srgbClr val="000000"/>
                   </a:solidFill>
@@ -2729,7 +2728,7 @@
             </a:ln>
             <a:extLst>
               <a:ext uri="{91240B29-F687-4f45-9708-019B960494DF}">
-                <a14:hiddenLine xmlns:a14="http://schemas.microsoft.com/office/drawing/2010/main" xmlns="" w="9525">
+                <a14:hiddenLine xmlns="" xmlns:a14="http://schemas.microsoft.com/office/drawing/2010/main" w="9525">
                   <a:solidFill>
                     <a:srgbClr val="000000"/>
                   </a:solidFill>
@@ -2791,7 +2790,7 @@
             </a:ln>
             <a:extLst>
               <a:ext uri="{91240B29-F687-4f45-9708-019B960494DF}">
-                <a14:hiddenLine xmlns:a14="http://schemas.microsoft.com/office/drawing/2010/main" xmlns="" w="9525">
+                <a14:hiddenLine xmlns="" xmlns:a14="http://schemas.microsoft.com/office/drawing/2010/main" w="9525">
                   <a:solidFill>
                     <a:srgbClr val="000000"/>
                   </a:solidFill>
@@ -2881,7 +2880,7 @@
             </a:ln>
             <a:extLst>
               <a:ext uri="{91240B29-F687-4f45-9708-019B960494DF}">
-                <a14:hiddenLine xmlns:a14="http://schemas.microsoft.com/office/drawing/2010/main" xmlns="" w="9525">
+                <a14:hiddenLine xmlns="" xmlns:a14="http://schemas.microsoft.com/office/drawing/2010/main" w="9525">
                   <a:solidFill>
                     <a:srgbClr val="000000"/>
                   </a:solidFill>
@@ -2943,7 +2942,7 @@
             </a:ln>
             <a:extLst>
               <a:ext uri="{91240B29-F687-4f45-9708-019B960494DF}">
-                <a14:hiddenLine xmlns:a14="http://schemas.microsoft.com/office/drawing/2010/main" xmlns="" w="9525">
+                <a14:hiddenLine xmlns="" xmlns:a14="http://schemas.microsoft.com/office/drawing/2010/main" w="9525">
                   <a:solidFill>
                     <a:srgbClr val="000000"/>
                   </a:solidFill>
@@ -3033,7 +3032,7 @@
             </a:ln>
             <a:extLst>
               <a:ext uri="{91240B29-F687-4f45-9708-019B960494DF}">
-                <a14:hiddenLine xmlns:a14="http://schemas.microsoft.com/office/drawing/2010/main" xmlns="" w="9525">
+                <a14:hiddenLine xmlns="" xmlns:a14="http://schemas.microsoft.com/office/drawing/2010/main" w="9525">
                   <a:solidFill>
                     <a:srgbClr val="000000"/>
                   </a:solidFill>
@@ -3095,7 +3094,7 @@
             </a:ln>
             <a:extLst>
               <a:ext uri="{91240B29-F687-4f45-9708-019B960494DF}">
-                <a14:hiddenLine xmlns:a14="http://schemas.microsoft.com/office/drawing/2010/main" xmlns="" w="9525">
+                <a14:hiddenLine xmlns="" xmlns:a14="http://schemas.microsoft.com/office/drawing/2010/main" w="9525">
                   <a:solidFill>
                     <a:srgbClr val="000000"/>
                   </a:solidFill>
@@ -3185,7 +3184,7 @@
             </a:ln>
             <a:extLst>
               <a:ext uri="{91240B29-F687-4f45-9708-019B960494DF}">
-                <a14:hiddenLine xmlns:a14="http://schemas.microsoft.com/office/drawing/2010/main" xmlns="" w="9525">
+                <a14:hiddenLine xmlns="" xmlns:a14="http://schemas.microsoft.com/office/drawing/2010/main" w="9525">
                   <a:solidFill>
                     <a:srgbClr val="000000"/>
                   </a:solidFill>
@@ -3219,7 +3218,7 @@
             </a:ln>
             <a:extLst>
               <a:ext uri="{91240B29-F687-4f45-9708-019B960494DF}">
-                <a14:hiddenLine xmlns:a14="http://schemas.microsoft.com/office/drawing/2010/main" xmlns="" w="9525">
+                <a14:hiddenLine xmlns="" xmlns:a14="http://schemas.microsoft.com/office/drawing/2010/main" w="9525">
                   <a:solidFill>
                     <a:srgbClr val="000000"/>
                   </a:solidFill>
@@ -3284,7 +3283,7 @@
             </a:ln>
             <a:extLst>
               <a:ext uri="{91240B29-F687-4f45-9708-019B960494DF}">
-                <a14:hiddenLine xmlns:a14="http://schemas.microsoft.com/office/drawing/2010/main" xmlns="" w="9525">
+                <a14:hiddenLine xmlns="" xmlns:a14="http://schemas.microsoft.com/office/drawing/2010/main" w="9525">
                   <a:solidFill>
                     <a:srgbClr val="000000"/>
                   </a:solidFill>
@@ -3374,7 +3373,7 @@
             </a:ln>
             <a:extLst>
               <a:ext uri="{91240B29-F687-4f45-9708-019B960494DF}">
-                <a14:hiddenLine xmlns:a14="http://schemas.microsoft.com/office/drawing/2010/main" xmlns="" w="9525">
+                <a14:hiddenLine xmlns="" xmlns:a14="http://schemas.microsoft.com/office/drawing/2010/main" w="9525">
                   <a:solidFill>
                     <a:srgbClr val="000000"/>
                   </a:solidFill>
@@ -3436,7 +3435,7 @@
             </a:ln>
             <a:extLst>
               <a:ext uri="{91240B29-F687-4f45-9708-019B960494DF}">
-                <a14:hiddenLine xmlns:a14="http://schemas.microsoft.com/office/drawing/2010/main" xmlns="" w="9525">
+                <a14:hiddenLine xmlns="" xmlns:a14="http://schemas.microsoft.com/office/drawing/2010/main" w="9525">
                   <a:solidFill>
                     <a:srgbClr val="000000"/>
                   </a:solidFill>
@@ -3526,7 +3525,7 @@
             </a:ln>
             <a:extLst>
               <a:ext uri="{91240B29-F687-4f45-9708-019B960494DF}">
-                <a14:hiddenLine xmlns:a14="http://schemas.microsoft.com/office/drawing/2010/main" xmlns="" w="9525">
+                <a14:hiddenLine xmlns="" xmlns:a14="http://schemas.microsoft.com/office/drawing/2010/main" w="9525">
                   <a:solidFill>
                     <a:srgbClr val="000000"/>
                   </a:solidFill>
@@ -3616,7 +3615,7 @@
             </a:ln>
             <a:extLst>
               <a:ext uri="{91240B29-F687-4f45-9708-019B960494DF}">
-                <a14:hiddenLine xmlns:a14="http://schemas.microsoft.com/office/drawing/2010/main" xmlns="" w="9525">
+                <a14:hiddenLine xmlns="" xmlns:a14="http://schemas.microsoft.com/office/drawing/2010/main" w="9525">
                   <a:solidFill>
                     <a:srgbClr val="000000"/>
                   </a:solidFill>
@@ -3681,7 +3680,7 @@
             </a:ln>
             <a:extLst>
               <a:ext uri="{91240B29-F687-4f45-9708-019B960494DF}">
-                <a14:hiddenLine xmlns:a14="http://schemas.microsoft.com/office/drawing/2010/main" xmlns="" w="9525">
+                <a14:hiddenLine xmlns="" xmlns:a14="http://schemas.microsoft.com/office/drawing/2010/main" w="9525">
                   <a:solidFill>
                     <a:srgbClr val="000000"/>
                   </a:solidFill>
@@ -3743,7 +3742,7 @@
             </a:ln>
             <a:extLst>
               <a:ext uri="{91240B29-F687-4f45-9708-019B960494DF}">
-                <a14:hiddenLine xmlns:a14="http://schemas.microsoft.com/office/drawing/2010/main" xmlns="" w="9525">
+                <a14:hiddenLine xmlns="" xmlns:a14="http://schemas.microsoft.com/office/drawing/2010/main" w="9525">
                   <a:solidFill>
                     <a:srgbClr val="000000"/>
                   </a:solidFill>
@@ -3833,7 +3832,7 @@
             </a:ln>
             <a:extLst>
               <a:ext uri="{91240B29-F687-4f45-9708-019B960494DF}">
-                <a14:hiddenLine xmlns:a14="http://schemas.microsoft.com/office/drawing/2010/main" xmlns="" w="9525">
+                <a14:hiddenLine xmlns="" xmlns:a14="http://schemas.microsoft.com/office/drawing/2010/main" w="9525">
                   <a:solidFill>
                     <a:srgbClr val="000000"/>
                   </a:solidFill>
@@ -3923,7 +3922,7 @@
             </a:ln>
             <a:extLst>
               <a:ext uri="{91240B29-F687-4f45-9708-019B960494DF}">
-                <a14:hiddenLine xmlns:a14="http://schemas.microsoft.com/office/drawing/2010/main" xmlns="" w="9525">
+                <a14:hiddenLine xmlns="" xmlns:a14="http://schemas.microsoft.com/office/drawing/2010/main" w="9525">
                   <a:solidFill>
                     <a:srgbClr val="000000"/>
                   </a:solidFill>
@@ -3985,7 +3984,7 @@
             </a:ln>
             <a:extLst>
               <a:ext uri="{91240B29-F687-4f45-9708-019B960494DF}">
-                <a14:hiddenLine xmlns:a14="http://schemas.microsoft.com/office/drawing/2010/main" xmlns="" w="9525">
+                <a14:hiddenLine xmlns="" xmlns:a14="http://schemas.microsoft.com/office/drawing/2010/main" w="9525">
                   <a:solidFill>
                     <a:srgbClr val="000000"/>
                   </a:solidFill>
@@ -4105,7 +4104,7 @@
             </a:ln>
             <a:extLst>
               <a:ext uri="{91240B29-F687-4f45-9708-019B960494DF}">
-                <a14:hiddenLine xmlns:a14="http://schemas.microsoft.com/office/drawing/2010/main" xmlns="" w="9525">
+                <a14:hiddenLine xmlns="" xmlns:a14="http://schemas.microsoft.com/office/drawing/2010/main" w="9525">
                   <a:solidFill>
                     <a:srgbClr val="000000"/>
                   </a:solidFill>
@@ -4173,7 +4172,7 @@
             </a:ln>
             <a:extLst>
               <a:ext uri="{91240B29-F687-4f45-9708-019B960494DF}">
-                <a14:hiddenLine xmlns:a14="http://schemas.microsoft.com/office/drawing/2010/main" xmlns="" w="9525">
+                <a14:hiddenLine xmlns="" xmlns:a14="http://schemas.microsoft.com/office/drawing/2010/main" w="9525">
                   <a:solidFill>
                     <a:srgbClr val="000000"/>
                   </a:solidFill>
@@ -4263,7 +4262,7 @@
             </a:ln>
             <a:extLst>
               <a:ext uri="{91240B29-F687-4f45-9708-019B960494DF}">
-                <a14:hiddenLine xmlns:a14="http://schemas.microsoft.com/office/drawing/2010/main" xmlns="" w="9525">
+                <a14:hiddenLine xmlns="" xmlns:a14="http://schemas.microsoft.com/office/drawing/2010/main" w="9525">
                   <a:solidFill>
                     <a:srgbClr val="000000"/>
                   </a:solidFill>
@@ -4403,7 +4402,7 @@
           <a:p>
             <a:fld id="{48A87A34-81AB-432B-8DAE-1953F412C126}" type="datetimeFigureOut">
               <a:rPr lang="en-US" dirty="0"/>
-              <a:t>12/13/2023</a:t>
+              <a:t>12/19/2023</a:t>
             </a:fld>
             <a:endParaRPr lang="en-US" dirty="0"/>
           </a:p>
@@ -4665,7 +4664,7 @@
           <a:p>
             <a:fld id="{48A87A34-81AB-432B-8DAE-1953F412C126}" type="datetimeFigureOut">
               <a:rPr lang="en-US" dirty="0"/>
-              <a:t>12/13/2023</a:t>
+              <a:t>12/19/2023</a:t>
             </a:fld>
             <a:endParaRPr lang="en-US" dirty="0"/>
           </a:p>
@@ -4856,7 +4855,7 @@
           <a:p>
             <a:fld id="{48A87A34-81AB-432B-8DAE-1953F412C126}" type="datetimeFigureOut">
               <a:rPr lang="en-US" dirty="0"/>
-              <a:t>12/13/2023</a:t>
+              <a:t>12/19/2023</a:t>
             </a:fld>
             <a:endParaRPr lang="en-US" dirty="0"/>
           </a:p>
@@ -5114,7 +5113,7 @@
           <a:p>
             <a:fld id="{48A87A34-81AB-432B-8DAE-1953F412C126}" type="datetimeFigureOut">
               <a:rPr lang="en-US" dirty="0"/>
-              <a:t>12/13/2023</a:t>
+              <a:t>12/19/2023</a:t>
             </a:fld>
             <a:endParaRPr lang="en-US" dirty="0"/>
           </a:p>
@@ -5543,7 +5542,7 @@
           <a:p>
             <a:fld id="{48A87A34-81AB-432B-8DAE-1953F412C126}" type="datetimeFigureOut">
               <a:rPr lang="en-US" dirty="0"/>
-              <a:t>12/13/2023</a:t>
+              <a:t>12/19/2023</a:t>
             </a:fld>
             <a:endParaRPr lang="en-US" dirty="0"/>
           </a:p>
@@ -6084,7 +6083,7 @@
           <a:p>
             <a:fld id="{48A87A34-81AB-432B-8DAE-1953F412C126}" type="datetimeFigureOut">
               <a:rPr lang="en-US" dirty="0"/>
-              <a:t>12/13/2023</a:t>
+              <a:t>12/19/2023</a:t>
             </a:fld>
             <a:endParaRPr lang="en-US" dirty="0"/>
           </a:p>
@@ -6799,7 +6798,7 @@
           <a:p>
             <a:fld id="{48A87A34-81AB-432B-8DAE-1953F412C126}" type="datetimeFigureOut">
               <a:rPr lang="en-US" dirty="0"/>
-              <a:t>12/13/2023</a:t>
+              <a:t>12/19/2023</a:t>
             </a:fld>
             <a:endParaRPr lang="en-US" dirty="0"/>
           </a:p>
@@ -6964,7 +6963,7 @@
           <a:p>
             <a:fld id="{48A87A34-81AB-432B-8DAE-1953F412C126}" type="datetimeFigureOut">
               <a:rPr lang="en-US" dirty="0"/>
-              <a:t>12/13/2023</a:t>
+              <a:t>12/19/2023</a:t>
             </a:fld>
             <a:endParaRPr lang="en-US" dirty="0"/>
           </a:p>
@@ -7139,7 +7138,7 @@
           <a:p>
             <a:fld id="{48A87A34-81AB-432B-8DAE-1953F412C126}" type="datetimeFigureOut">
               <a:rPr lang="en-US" dirty="0"/>
-              <a:t>12/13/2023</a:t>
+              <a:t>12/19/2023</a:t>
             </a:fld>
             <a:endParaRPr lang="en-US" dirty="0"/>
           </a:p>
@@ -7304,7 +7303,7 @@
           <a:p>
             <a:fld id="{48A87A34-81AB-432B-8DAE-1953F412C126}" type="datetimeFigureOut">
               <a:rPr lang="en-US" dirty="0"/>
-              <a:t>12/13/2023</a:t>
+              <a:t>12/19/2023</a:t>
             </a:fld>
             <a:endParaRPr lang="en-US" dirty="0"/>
           </a:p>
@@ -7549,7 +7548,7 @@
           <a:p>
             <a:fld id="{48A87A34-81AB-432B-8DAE-1953F412C126}" type="datetimeFigureOut">
               <a:rPr lang="en-US" dirty="0"/>
-              <a:t>12/13/2023</a:t>
+              <a:t>12/19/2023</a:t>
             </a:fld>
             <a:endParaRPr lang="en-US" dirty="0"/>
           </a:p>
@@ -7776,7 +7775,7 @@
           <a:p>
             <a:fld id="{48A87A34-81AB-432B-8DAE-1953F412C126}" type="datetimeFigureOut">
               <a:rPr lang="en-US" dirty="0"/>
-              <a:t>12/13/2023</a:t>
+              <a:t>12/19/2023</a:t>
             </a:fld>
             <a:endParaRPr lang="en-US" dirty="0"/>
           </a:p>
@@ -8152,7 +8151,7 @@
           <a:p>
             <a:fld id="{48A87A34-81AB-432B-8DAE-1953F412C126}" type="datetimeFigureOut">
               <a:rPr lang="en-US" dirty="0"/>
-              <a:t>12/13/2023</a:t>
+              <a:t>12/19/2023</a:t>
             </a:fld>
             <a:endParaRPr lang="en-US" dirty="0"/>
           </a:p>
@@ -8265,7 +8264,7 @@
           <a:p>
             <a:fld id="{48A87A34-81AB-432B-8DAE-1953F412C126}" type="datetimeFigureOut">
               <a:rPr lang="en-US" dirty="0"/>
-              <a:t>12/13/2023</a:t>
+              <a:t>12/19/2023</a:t>
             </a:fld>
             <a:endParaRPr lang="en-US" dirty="0"/>
           </a:p>
@@ -8355,7 +8354,7 @@
           <a:p>
             <a:fld id="{48A87A34-81AB-432B-8DAE-1953F412C126}" type="datetimeFigureOut">
               <a:rPr lang="en-US" dirty="0"/>
-              <a:t>12/13/2023</a:t>
+              <a:t>12/19/2023</a:t>
             </a:fld>
             <a:endParaRPr lang="en-US" dirty="0"/>
           </a:p>
@@ -8599,7 +8598,7 @@
           <a:p>
             <a:fld id="{48A87A34-81AB-432B-8DAE-1953F412C126}" type="datetimeFigureOut">
               <a:rPr lang="en-US" dirty="0"/>
-              <a:t>12/13/2023</a:t>
+              <a:t>12/19/2023</a:t>
             </a:fld>
             <a:endParaRPr lang="en-US" dirty="0"/>
           </a:p>
@@ -8874,7 +8873,7 @@
           <a:p>
             <a:fld id="{48A87A34-81AB-432B-8DAE-1953F412C126}" type="datetimeFigureOut">
               <a:rPr lang="en-US" dirty="0"/>
-              <a:t>12/13/2023</a:t>
+              <a:t>12/19/2023</a:t>
             </a:fld>
             <a:endParaRPr lang="en-US" dirty="0"/>
           </a:p>
@@ -8985,7 +8984,7 @@
           <a:noFill/>
           <a:extLst>
             <a:ext uri="{909E8E84-426E-40dd-AFC4-6F175D3DCCD1}">
-              <a14:hiddenFill xmlns:a14="http://schemas.microsoft.com/office/drawing/2010/main" xmlns="">
+              <a14:hiddenFill xmlns="" xmlns:a14="http://schemas.microsoft.com/office/drawing/2010/main">
                 <a:solidFill>
                   <a:srgbClr val="FFFFFF"/>
                 </a:solidFill>
@@ -9059,7 +9058,7 @@
               </a:ln>
               <a:extLst>
                 <a:ext uri="{91240B29-F687-4f45-9708-019B960494DF}">
-                  <a14:hiddenLine xmlns:a14="http://schemas.microsoft.com/office/drawing/2010/main" xmlns="" w="9525">
+                  <a14:hiddenLine xmlns="" xmlns:a14="http://schemas.microsoft.com/office/drawing/2010/main" w="9525">
                     <a:solidFill>
                       <a:srgbClr val="000000"/>
                     </a:solidFill>
@@ -9149,7 +9148,7 @@
               </a:ln>
               <a:extLst>
                 <a:ext uri="{91240B29-F687-4f45-9708-019B960494DF}">
-                  <a14:hiddenLine xmlns:a14="http://schemas.microsoft.com/office/drawing/2010/main" xmlns="" w="9525">
+                  <a14:hiddenLine xmlns="" xmlns:a14="http://schemas.microsoft.com/office/drawing/2010/main" w="9525">
                     <a:solidFill>
                       <a:srgbClr val="000000"/>
                     </a:solidFill>
@@ -9239,7 +9238,7 @@
               </a:ln>
               <a:extLst>
                 <a:ext uri="{91240B29-F687-4f45-9708-019B960494DF}">
-                  <a14:hiddenLine xmlns:a14="http://schemas.microsoft.com/office/drawing/2010/main" xmlns="" w="9525">
+                  <a14:hiddenLine xmlns="" xmlns:a14="http://schemas.microsoft.com/office/drawing/2010/main" w="9525">
                     <a:solidFill>
                       <a:srgbClr val="000000"/>
                     </a:solidFill>
@@ -9301,7 +9300,7 @@
               </a:ln>
               <a:extLst>
                 <a:ext uri="{91240B29-F687-4f45-9708-019B960494DF}">
-                  <a14:hiddenLine xmlns:a14="http://schemas.microsoft.com/office/drawing/2010/main" xmlns="" w="9525">
+                  <a14:hiddenLine xmlns="" xmlns:a14="http://schemas.microsoft.com/office/drawing/2010/main" w="9525">
                     <a:solidFill>
                       <a:srgbClr val="000000"/>
                     </a:solidFill>
@@ -9391,7 +9390,7 @@
               </a:ln>
               <a:extLst>
                 <a:ext uri="{91240B29-F687-4f45-9708-019B960494DF}">
-                  <a14:hiddenLine xmlns:a14="http://schemas.microsoft.com/office/drawing/2010/main" xmlns="" w="9525">
+                  <a14:hiddenLine xmlns="" xmlns:a14="http://schemas.microsoft.com/office/drawing/2010/main" w="9525">
                     <a:solidFill>
                       <a:srgbClr val="000000"/>
                     </a:solidFill>
@@ -9453,7 +9452,7 @@
               </a:ln>
               <a:extLst>
                 <a:ext uri="{91240B29-F687-4f45-9708-019B960494DF}">
-                  <a14:hiddenLine xmlns:a14="http://schemas.microsoft.com/office/drawing/2010/main" xmlns="" w="9525">
+                  <a14:hiddenLine xmlns="" xmlns:a14="http://schemas.microsoft.com/office/drawing/2010/main" w="9525">
                     <a:solidFill>
                       <a:srgbClr val="000000"/>
                     </a:solidFill>
@@ -9515,7 +9514,7 @@
               </a:ln>
               <a:extLst>
                 <a:ext uri="{91240B29-F687-4f45-9708-019B960494DF}">
-                  <a14:hiddenLine xmlns:a14="http://schemas.microsoft.com/office/drawing/2010/main" xmlns="" w="9525">
+                  <a14:hiddenLine xmlns="" xmlns:a14="http://schemas.microsoft.com/office/drawing/2010/main" w="9525">
                     <a:solidFill>
                       <a:srgbClr val="000000"/>
                     </a:solidFill>
@@ -9605,7 +9604,7 @@
               </a:ln>
               <a:extLst>
                 <a:ext uri="{91240B29-F687-4f45-9708-019B960494DF}">
-                  <a14:hiddenLine xmlns:a14="http://schemas.microsoft.com/office/drawing/2010/main" xmlns="" w="9525">
+                  <a14:hiddenLine xmlns="" xmlns:a14="http://schemas.microsoft.com/office/drawing/2010/main" w="9525">
                     <a:solidFill>
                       <a:srgbClr val="000000"/>
                     </a:solidFill>
@@ -9695,7 +9694,7 @@
               </a:ln>
               <a:extLst>
                 <a:ext uri="{91240B29-F687-4f45-9708-019B960494DF}">
-                  <a14:hiddenLine xmlns:a14="http://schemas.microsoft.com/office/drawing/2010/main" xmlns="" w="9525">
+                  <a14:hiddenLine xmlns="" xmlns:a14="http://schemas.microsoft.com/office/drawing/2010/main" w="9525">
                     <a:solidFill>
                       <a:srgbClr val="000000"/>
                     </a:solidFill>
@@ -9757,7 +9756,7 @@
               </a:ln>
               <a:extLst>
                 <a:ext uri="{91240B29-F687-4f45-9708-019B960494DF}">
-                  <a14:hiddenLine xmlns:a14="http://schemas.microsoft.com/office/drawing/2010/main" xmlns="" w="9525">
+                  <a14:hiddenLine xmlns="" xmlns:a14="http://schemas.microsoft.com/office/drawing/2010/main" w="9525">
                     <a:solidFill>
                       <a:srgbClr val="000000"/>
                     </a:solidFill>
@@ -9867,7 +9866,7 @@
               </a:ln>
               <a:extLst>
                 <a:ext uri="{91240B29-F687-4f45-9708-019B960494DF}">
-                  <a14:hiddenLine xmlns:a14="http://schemas.microsoft.com/office/drawing/2010/main" xmlns="" w="9525">
+                  <a14:hiddenLine xmlns="" xmlns:a14="http://schemas.microsoft.com/office/drawing/2010/main" w="9525">
                     <a:solidFill>
                       <a:srgbClr val="000000"/>
                     </a:solidFill>
@@ -9951,7 +9950,7 @@
               </a:ln>
               <a:extLst>
                 <a:ext uri="{91240B29-F687-4f45-9708-019B960494DF}">
-                  <a14:hiddenLine xmlns:a14="http://schemas.microsoft.com/office/drawing/2010/main" xmlns="" w="9525">
+                  <a14:hiddenLine xmlns="" xmlns:a14="http://schemas.microsoft.com/office/drawing/2010/main" w="9525">
                     <a:solidFill>
                       <a:srgbClr val="000000"/>
                     </a:solidFill>
@@ -10013,7 +10012,7 @@
               </a:ln>
               <a:extLst>
                 <a:ext uri="{91240B29-F687-4f45-9708-019B960494DF}">
-                  <a14:hiddenLine xmlns:a14="http://schemas.microsoft.com/office/drawing/2010/main" xmlns="" w="9525">
+                  <a14:hiddenLine xmlns="" xmlns:a14="http://schemas.microsoft.com/office/drawing/2010/main" w="9525">
                     <a:solidFill>
                       <a:srgbClr val="000000"/>
                     </a:solidFill>
@@ -10075,7 +10074,7 @@
               </a:ln>
               <a:extLst>
                 <a:ext uri="{91240B29-F687-4f45-9708-019B960494DF}">
-                  <a14:hiddenLine xmlns:a14="http://schemas.microsoft.com/office/drawing/2010/main" xmlns="" w="9525">
+                  <a14:hiddenLine xmlns="" xmlns:a14="http://schemas.microsoft.com/office/drawing/2010/main" w="9525">
                     <a:solidFill>
                       <a:srgbClr val="000000"/>
                     </a:solidFill>
@@ -10165,7 +10164,7 @@
               </a:ln>
               <a:extLst>
                 <a:ext uri="{91240B29-F687-4f45-9708-019B960494DF}">
-                  <a14:hiddenLine xmlns:a14="http://schemas.microsoft.com/office/drawing/2010/main" xmlns="" w="9525">
+                  <a14:hiddenLine xmlns="" xmlns:a14="http://schemas.microsoft.com/office/drawing/2010/main" w="9525">
                     <a:solidFill>
                       <a:srgbClr val="000000"/>
                     </a:solidFill>
@@ -10199,7 +10198,7 @@
               </a:ln>
               <a:extLst>
                 <a:ext uri="{91240B29-F687-4f45-9708-019B960494DF}">
-                  <a14:hiddenLine xmlns:a14="http://schemas.microsoft.com/office/drawing/2010/main" xmlns="" w="9525">
+                  <a14:hiddenLine xmlns="" xmlns:a14="http://schemas.microsoft.com/office/drawing/2010/main" w="9525">
                     <a:solidFill>
                       <a:srgbClr val="000000"/>
                     </a:solidFill>
@@ -10264,7 +10263,7 @@
               </a:ln>
               <a:extLst>
                 <a:ext uri="{91240B29-F687-4f45-9708-019B960494DF}">
-                  <a14:hiddenLine xmlns:a14="http://schemas.microsoft.com/office/drawing/2010/main" xmlns="" w="9525">
+                  <a14:hiddenLine xmlns="" xmlns:a14="http://schemas.microsoft.com/office/drawing/2010/main" w="9525">
                     <a:solidFill>
                       <a:srgbClr val="000000"/>
                     </a:solidFill>
@@ -10354,7 +10353,7 @@
               </a:ln>
               <a:extLst>
                 <a:ext uri="{91240B29-F687-4f45-9708-019B960494DF}">
-                  <a14:hiddenLine xmlns:a14="http://schemas.microsoft.com/office/drawing/2010/main" xmlns="" w="9525">
+                  <a14:hiddenLine xmlns="" xmlns:a14="http://schemas.microsoft.com/office/drawing/2010/main" w="9525">
                     <a:solidFill>
                       <a:srgbClr val="000000"/>
                     </a:solidFill>
@@ -10416,7 +10415,7 @@
               </a:ln>
               <a:extLst>
                 <a:ext uri="{91240B29-F687-4f45-9708-019B960494DF}">
-                  <a14:hiddenLine xmlns:a14="http://schemas.microsoft.com/office/drawing/2010/main" xmlns="" w="9525">
+                  <a14:hiddenLine xmlns="" xmlns:a14="http://schemas.microsoft.com/office/drawing/2010/main" w="9525">
                     <a:solidFill>
                       <a:srgbClr val="000000"/>
                     </a:solidFill>
@@ -10506,7 +10505,7 @@
               </a:ln>
               <a:extLst>
                 <a:ext uri="{91240B29-F687-4f45-9708-019B960494DF}">
-                  <a14:hiddenLine xmlns:a14="http://schemas.microsoft.com/office/drawing/2010/main" xmlns="" w="9525">
+                  <a14:hiddenLine xmlns="" xmlns:a14="http://schemas.microsoft.com/office/drawing/2010/main" w="9525">
                     <a:solidFill>
                       <a:srgbClr val="000000"/>
                     </a:solidFill>
@@ -10571,7 +10570,7 @@
               </a:ln>
               <a:extLst>
                 <a:ext uri="{91240B29-F687-4f45-9708-019B960494DF}">
-                  <a14:hiddenLine xmlns:a14="http://schemas.microsoft.com/office/drawing/2010/main" xmlns="" w="9525">
+                  <a14:hiddenLine xmlns="" xmlns:a14="http://schemas.microsoft.com/office/drawing/2010/main" w="9525">
                     <a:solidFill>
                       <a:srgbClr val="000000"/>
                     </a:solidFill>
@@ -10633,7 +10632,7 @@
               </a:ln>
               <a:extLst>
                 <a:ext uri="{91240B29-F687-4f45-9708-019B960494DF}">
-                  <a14:hiddenLine xmlns:a14="http://schemas.microsoft.com/office/drawing/2010/main" xmlns="" w="9525">
+                  <a14:hiddenLine xmlns="" xmlns:a14="http://schemas.microsoft.com/office/drawing/2010/main" w="9525">
                     <a:solidFill>
                       <a:srgbClr val="000000"/>
                     </a:solidFill>
@@ -10723,7 +10722,7 @@
               </a:ln>
               <a:extLst>
                 <a:ext uri="{91240B29-F687-4f45-9708-019B960494DF}">
-                  <a14:hiddenLine xmlns:a14="http://schemas.microsoft.com/office/drawing/2010/main" xmlns="" w="9525">
+                  <a14:hiddenLine xmlns="" xmlns:a14="http://schemas.microsoft.com/office/drawing/2010/main" w="9525">
                     <a:solidFill>
                       <a:srgbClr val="000000"/>
                     </a:solidFill>
@@ -10813,7 +10812,7 @@
               </a:ln>
               <a:extLst>
                 <a:ext uri="{91240B29-F687-4f45-9708-019B960494DF}">
-                  <a14:hiddenLine xmlns:a14="http://schemas.microsoft.com/office/drawing/2010/main" xmlns="" w="9525">
+                  <a14:hiddenLine xmlns="" xmlns:a14="http://schemas.microsoft.com/office/drawing/2010/main" w="9525">
                     <a:solidFill>
                       <a:srgbClr val="000000"/>
                     </a:solidFill>
@@ -10878,7 +10877,7 @@
               </a:ln>
               <a:extLst>
                 <a:ext uri="{91240B29-F687-4f45-9708-019B960494DF}">
-                  <a14:hiddenLine xmlns:a14="http://schemas.microsoft.com/office/drawing/2010/main" xmlns="" w="9525">
+                  <a14:hiddenLine xmlns="" xmlns:a14="http://schemas.microsoft.com/office/drawing/2010/main" w="9525">
                     <a:solidFill>
                       <a:srgbClr val="000000"/>
                     </a:solidFill>
@@ -10998,7 +10997,7 @@
               </a:ln>
               <a:extLst>
                 <a:ext uri="{91240B29-F687-4f45-9708-019B960494DF}">
-                  <a14:hiddenLine xmlns:a14="http://schemas.microsoft.com/office/drawing/2010/main" xmlns="" w="9525">
+                  <a14:hiddenLine xmlns="" xmlns:a14="http://schemas.microsoft.com/office/drawing/2010/main" w="9525">
                     <a:solidFill>
                       <a:srgbClr val="000000"/>
                     </a:solidFill>
@@ -11096,7 +11095,7 @@
               </a:ln>
               <a:extLst>
                 <a:ext uri="{91240B29-F687-4f45-9708-019B960494DF}">
-                  <a14:hiddenLine xmlns:a14="http://schemas.microsoft.com/office/drawing/2010/main" xmlns="" w="9525">
+                  <a14:hiddenLine xmlns="" xmlns:a14="http://schemas.microsoft.com/office/drawing/2010/main" w="9525">
                     <a:solidFill>
                       <a:srgbClr val="000000"/>
                     </a:solidFill>
@@ -11211,7 +11210,7 @@
               </a:ln>
               <a:extLst>
                 <a:ext uri="{91240B29-F687-4f45-9708-019B960494DF}">
-                  <a14:hiddenLine xmlns:a14="http://schemas.microsoft.com/office/drawing/2010/main" xmlns="" w="9525">
+                  <a14:hiddenLine xmlns="" xmlns:a14="http://schemas.microsoft.com/office/drawing/2010/main" w="9525">
                     <a:solidFill>
                       <a:srgbClr val="000000"/>
                     </a:solidFill>
@@ -11301,7 +11300,7 @@
               </a:ln>
               <a:extLst>
                 <a:ext uri="{91240B29-F687-4f45-9708-019B960494DF}">
-                  <a14:hiddenLine xmlns:a14="http://schemas.microsoft.com/office/drawing/2010/main" xmlns="" w="9525">
+                  <a14:hiddenLine xmlns="" xmlns:a14="http://schemas.microsoft.com/office/drawing/2010/main" w="9525">
                     <a:solidFill>
                       <a:srgbClr val="000000"/>
                     </a:solidFill>
@@ -11366,7 +11365,7 @@
               </a:ln>
               <a:extLst>
                 <a:ext uri="{91240B29-F687-4f45-9708-019B960494DF}">
-                  <a14:hiddenLine xmlns:a14="http://schemas.microsoft.com/office/drawing/2010/main" xmlns="" w="9525">
+                  <a14:hiddenLine xmlns="" xmlns:a14="http://schemas.microsoft.com/office/drawing/2010/main" w="9525">
                     <a:solidFill>
                       <a:srgbClr val="000000"/>
                     </a:solidFill>
@@ -11456,7 +11455,7 @@
               </a:ln>
               <a:extLst>
                 <a:ext uri="{91240B29-F687-4f45-9708-019B960494DF}">
-                  <a14:hiddenLine xmlns:a14="http://schemas.microsoft.com/office/drawing/2010/main" xmlns="" w="9525">
+                  <a14:hiddenLine xmlns="" xmlns:a14="http://schemas.microsoft.com/office/drawing/2010/main" w="9525">
                     <a:solidFill>
                       <a:srgbClr val="000000"/>
                     </a:solidFill>
@@ -11524,7 +11523,7 @@
               </a:ln>
               <a:extLst>
                 <a:ext uri="{91240B29-F687-4f45-9708-019B960494DF}">
-                  <a14:hiddenLine xmlns:a14="http://schemas.microsoft.com/office/drawing/2010/main" xmlns="" w="9525">
+                  <a14:hiddenLine xmlns="" xmlns:a14="http://schemas.microsoft.com/office/drawing/2010/main" w="9525">
                     <a:solidFill>
                       <a:srgbClr val="000000"/>
                     </a:solidFill>
@@ -11614,7 +11613,7 @@
               </a:ln>
               <a:extLst>
                 <a:ext uri="{91240B29-F687-4f45-9708-019B960494DF}">
-                  <a14:hiddenLine xmlns:a14="http://schemas.microsoft.com/office/drawing/2010/main" xmlns="" w="9525">
+                  <a14:hiddenLine xmlns="" xmlns:a14="http://schemas.microsoft.com/office/drawing/2010/main" w="9525">
                     <a:solidFill>
                       <a:srgbClr val="000000"/>
                     </a:solidFill>
@@ -11682,7 +11681,7 @@
               </a:ln>
               <a:extLst>
                 <a:ext uri="{91240B29-F687-4f45-9708-019B960494DF}">
-                  <a14:hiddenLine xmlns:a14="http://schemas.microsoft.com/office/drawing/2010/main" xmlns="" w="9525">
+                  <a14:hiddenLine xmlns="" xmlns:a14="http://schemas.microsoft.com/office/drawing/2010/main" w="9525">
                     <a:solidFill>
                       <a:srgbClr val="000000"/>
                     </a:solidFill>
@@ -11772,7 +11771,7 @@
               </a:ln>
               <a:extLst>
                 <a:ext uri="{91240B29-F687-4f45-9708-019B960494DF}">
-                  <a14:hiddenLine xmlns:a14="http://schemas.microsoft.com/office/drawing/2010/main" xmlns="" w="9525">
+                  <a14:hiddenLine xmlns="" xmlns:a14="http://schemas.microsoft.com/office/drawing/2010/main" w="9525">
                     <a:solidFill>
                       <a:srgbClr val="000000"/>
                     </a:solidFill>
@@ -11806,7 +11805,7 @@
               </a:ln>
               <a:extLst>
                 <a:ext uri="{91240B29-F687-4f45-9708-019B960494DF}">
-                  <a14:hiddenLine xmlns:a14="http://schemas.microsoft.com/office/drawing/2010/main" xmlns="" w="9525">
+                  <a14:hiddenLine xmlns="" xmlns:a14="http://schemas.microsoft.com/office/drawing/2010/main" w="9525">
                     <a:solidFill>
                       <a:srgbClr val="000000"/>
                     </a:solidFill>
@@ -11947,7 +11946,7 @@
             <a:fld id="{48A87A34-81AB-432B-8DAE-1953F412C126}" type="datetimeFigureOut">
               <a:rPr lang="en-US" dirty="0"/>
               <a:pPr/>
-              <a:t>12/13/2023</a:t>
+              <a:t>12/19/2023</a:t>
             </a:fld>
             <a:endParaRPr lang="en-US" dirty="0"/>
           </a:p>
@@ -13377,349 +13376,6 @@
           </p:cNvPicPr>
           <p:nvPr/>
         </p:nvPicPr>
-        <p:blipFill rotWithShape="1">
-          <a:blip r:embed="rId2">
-            <a:extLst>
-              <a:ext uri="{28A0092B-C50C-407E-A947-70E740481C1C}">
-                <a14:useLocalDpi xmlns:a14="http://schemas.microsoft.com/office/drawing/2010/main" val="0"/>
-              </a:ext>
-            </a:extLst>
-          </a:blip>
-          <a:srcRect t="364" b="69454"/>
-          <a:stretch/>
-        </p:blipFill>
-        <p:spPr>
-          <a:xfrm>
-            <a:off x="833875" y="2485504"/>
-            <a:ext cx="3009545" cy="2069869"/>
-          </a:xfrm>
-          <a:prstGeom prst="rect">
-            <a:avLst/>
-          </a:prstGeom>
-        </p:spPr>
-      </p:pic>
-      <p:pic>
-        <p:nvPicPr>
-          <p:cNvPr id="4" name="Picture 3"/>
-          <p:cNvPicPr>
-            <a:picLocks noChangeAspect="1"/>
-          </p:cNvPicPr>
-          <p:nvPr/>
-        </p:nvPicPr>
-        <p:blipFill rotWithShape="1">
-          <a:blip r:embed="rId2">
-            <a:extLst>
-              <a:ext uri="{28A0092B-C50C-407E-A947-70E740481C1C}">
-                <a14:useLocalDpi xmlns:a14="http://schemas.microsoft.com/office/drawing/2010/main" val="0"/>
-              </a:ext>
-            </a:extLst>
-          </a:blip>
-          <a:srcRect t="31273" b="31878"/>
-          <a:stretch/>
-        </p:blipFill>
-        <p:spPr>
-          <a:xfrm>
-            <a:off x="4200529" y="2256903"/>
-            <a:ext cx="3009545" cy="2527069"/>
-          </a:xfrm>
-          <a:prstGeom prst="rect">
-            <a:avLst/>
-          </a:prstGeom>
-        </p:spPr>
-      </p:pic>
-      <p:pic>
-        <p:nvPicPr>
-          <p:cNvPr id="5" name="Picture 4"/>
-          <p:cNvPicPr>
-            <a:picLocks noChangeAspect="1"/>
-          </p:cNvPicPr>
-          <p:nvPr/>
-        </p:nvPicPr>
-        <p:blipFill rotWithShape="1">
-          <a:blip r:embed="rId2">
-            <a:extLst>
-              <a:ext uri="{28A0092B-C50C-407E-A947-70E740481C1C}">
-                <a14:useLocalDpi xmlns:a14="http://schemas.microsoft.com/office/drawing/2010/main" val="0"/>
-              </a:ext>
-            </a:extLst>
-          </a:blip>
-          <a:srcRect t="69697"/>
-          <a:stretch/>
-        </p:blipFill>
-        <p:spPr>
-          <a:xfrm>
-            <a:off x="7576794" y="2132211"/>
-            <a:ext cx="4020755" cy="2776452"/>
-          </a:xfrm>
-          <a:prstGeom prst="rect">
-            <a:avLst/>
-          </a:prstGeom>
-        </p:spPr>
-      </p:pic>
-    </p:spTree>
-    <p:extLst>
-      <p:ext uri="{BB962C8B-B14F-4D97-AF65-F5344CB8AC3E}">
-        <p14:creationId xmlns:p14="http://schemas.microsoft.com/office/powerpoint/2010/main" val="3542887869"/>
-      </p:ext>
-    </p:extLst>
-  </p:cSld>
-  <p:clrMapOvr>
-    <a:masterClrMapping/>
-  </p:clrMapOvr>
-  <p:timing>
-    <p:tnLst>
-      <p:par>
-        <p:cTn id="1" dur="indefinite" restart="never" nodeType="tmRoot"/>
-      </p:par>
-    </p:tnLst>
-  </p:timing>
-</p:sld>
-</file>
-
-<file path=ppt/slides/slide11.xml><?xml version="1.0" encoding="utf-8"?>
-<p:sld xmlns:a="http://schemas.openxmlformats.org/drawingml/2006/main" xmlns:r="http://schemas.openxmlformats.org/officeDocument/2006/relationships" xmlns:p="http://schemas.openxmlformats.org/presentationml/2006/main">
-  <p:cSld>
-    <p:spTree>
-      <p:nvGrpSpPr>
-        <p:cNvPr id="1" name=""/>
-        <p:cNvGrpSpPr/>
-        <p:nvPr/>
-      </p:nvGrpSpPr>
-      <p:grpSpPr>
-        <a:xfrm>
-          <a:off x="0" y="0"/>
-          <a:ext cx="0" cy="0"/>
-          <a:chOff x="0" y="0"/>
-          <a:chExt cx="0" cy="0"/>
-        </a:xfrm>
-      </p:grpSpPr>
-      <p:sp>
-        <p:nvSpPr>
-          <p:cNvPr id="10" name="Content Placeholder 2"/>
-          <p:cNvSpPr txBox="1">
-            <a:spLocks/>
-          </p:cNvSpPr>
-          <p:nvPr/>
-        </p:nvSpPr>
-        <p:spPr>
-          <a:xfrm>
-            <a:off x="3405915" y="279436"/>
-            <a:ext cx="4815371" cy="1162579"/>
-          </a:xfrm>
-          <a:prstGeom prst="rect">
-            <a:avLst/>
-          </a:prstGeom>
-        </p:spPr>
-        <p:txBody>
-          <a:bodyPr vert="horz" lIns="91440" tIns="45720" rIns="91440" bIns="45720" rtlCol="0">
-            <a:normAutofit/>
-          </a:bodyPr>
-          <a:lstStyle>
-            <a:lvl1pPr marL="228600" indent="-228600" algn="l" defTabSz="914400" rtl="0" eaLnBrk="1" latinLnBrk="0" hangingPunct="1">
-              <a:lnSpc>
-                <a:spcPct val="120000"/>
-              </a:lnSpc>
-              <a:spcBef>
-                <a:spcPts val="1000"/>
-              </a:spcBef>
-              <a:buSzPct val="125000"/>
-              <a:buFont typeface="Arial" panose="020B0604020202020204" pitchFamily="34" charset="0"/>
-              <a:buChar char="•"/>
-              <a:defRPr sz="2400" kern="1200">
-                <a:solidFill>
-                  <a:schemeClr val="tx1"/>
-                </a:solidFill>
-                <a:latin typeface="+mn-lt"/>
-                <a:ea typeface="+mn-ea"/>
-                <a:cs typeface="+mn-cs"/>
-              </a:defRPr>
-            </a:lvl1pPr>
-            <a:lvl2pPr marL="685800" indent="-228600" algn="l" defTabSz="914400" rtl="0" eaLnBrk="1" latinLnBrk="0" hangingPunct="1">
-              <a:lnSpc>
-                <a:spcPct val="120000"/>
-              </a:lnSpc>
-              <a:spcBef>
-                <a:spcPts val="500"/>
-              </a:spcBef>
-              <a:buSzPct val="125000"/>
-              <a:buFont typeface="Arial" panose="020B0604020202020204" pitchFamily="34" charset="0"/>
-              <a:buChar char="•"/>
-              <a:defRPr sz="2000" kern="1200">
-                <a:solidFill>
-                  <a:schemeClr val="tx1"/>
-                </a:solidFill>
-                <a:latin typeface="+mn-lt"/>
-                <a:ea typeface="+mn-ea"/>
-                <a:cs typeface="+mn-cs"/>
-              </a:defRPr>
-            </a:lvl2pPr>
-            <a:lvl3pPr marL="1143000" indent="-228600" algn="l" defTabSz="914400" rtl="0" eaLnBrk="1" latinLnBrk="0" hangingPunct="1">
-              <a:lnSpc>
-                <a:spcPct val="120000"/>
-              </a:lnSpc>
-              <a:spcBef>
-                <a:spcPts val="500"/>
-              </a:spcBef>
-              <a:buSzPct val="125000"/>
-              <a:buFont typeface="Arial" panose="020B0604020202020204" pitchFamily="34" charset="0"/>
-              <a:buChar char="•"/>
-              <a:defRPr sz="1800" kern="1200">
-                <a:solidFill>
-                  <a:schemeClr val="tx1"/>
-                </a:solidFill>
-                <a:latin typeface="+mn-lt"/>
-                <a:ea typeface="+mn-ea"/>
-                <a:cs typeface="+mn-cs"/>
-              </a:defRPr>
-            </a:lvl3pPr>
-            <a:lvl4pPr marL="1600200" indent="-228600" algn="l" defTabSz="914400" rtl="0" eaLnBrk="1" latinLnBrk="0" hangingPunct="1">
-              <a:lnSpc>
-                <a:spcPct val="120000"/>
-              </a:lnSpc>
-              <a:spcBef>
-                <a:spcPts val="500"/>
-              </a:spcBef>
-              <a:buSzPct val="125000"/>
-              <a:buFont typeface="Arial" panose="020B0604020202020204" pitchFamily="34" charset="0"/>
-              <a:buChar char="•"/>
-              <a:defRPr sz="1600" kern="1200">
-                <a:solidFill>
-                  <a:schemeClr val="tx1"/>
-                </a:solidFill>
-                <a:latin typeface="+mn-lt"/>
-                <a:ea typeface="+mn-ea"/>
-                <a:cs typeface="+mn-cs"/>
-              </a:defRPr>
-            </a:lvl4pPr>
-            <a:lvl5pPr marL="2057400" indent="-228600" algn="l" defTabSz="914400" rtl="0" eaLnBrk="1" latinLnBrk="0" hangingPunct="1">
-              <a:lnSpc>
-                <a:spcPct val="120000"/>
-              </a:lnSpc>
-              <a:spcBef>
-                <a:spcPts val="500"/>
-              </a:spcBef>
-              <a:buSzPct val="125000"/>
-              <a:buFont typeface="Arial" panose="020B0604020202020204" pitchFamily="34" charset="0"/>
-              <a:buChar char="•"/>
-              <a:defRPr sz="1600" kern="1200">
-                <a:solidFill>
-                  <a:schemeClr val="tx1"/>
-                </a:solidFill>
-                <a:latin typeface="+mn-lt"/>
-                <a:ea typeface="+mn-ea"/>
-                <a:cs typeface="+mn-cs"/>
-              </a:defRPr>
-            </a:lvl5pPr>
-            <a:lvl6pPr marL="2514600" indent="-228600" algn="l" defTabSz="914400" rtl="0" eaLnBrk="1" latinLnBrk="0" hangingPunct="1">
-              <a:lnSpc>
-                <a:spcPct val="120000"/>
-              </a:lnSpc>
-              <a:spcBef>
-                <a:spcPts val="500"/>
-              </a:spcBef>
-              <a:buSzPct val="125000"/>
-              <a:buFont typeface="Arial" panose="020B0604020202020204" pitchFamily="34" charset="0"/>
-              <a:buChar char="•"/>
-              <a:defRPr sz="1400" kern="1200">
-                <a:solidFill>
-                  <a:schemeClr val="tx1"/>
-                </a:solidFill>
-                <a:latin typeface="+mn-lt"/>
-                <a:ea typeface="+mn-ea"/>
-                <a:cs typeface="+mn-cs"/>
-              </a:defRPr>
-            </a:lvl6pPr>
-            <a:lvl7pPr marL="2971800" indent="-228600" algn="l" defTabSz="914400" rtl="0" eaLnBrk="1" latinLnBrk="0" hangingPunct="1">
-              <a:lnSpc>
-                <a:spcPct val="120000"/>
-              </a:lnSpc>
-              <a:spcBef>
-                <a:spcPts val="500"/>
-              </a:spcBef>
-              <a:buSzPct val="125000"/>
-              <a:buFont typeface="Arial" panose="020B0604020202020204" pitchFamily="34" charset="0"/>
-              <a:buChar char="•"/>
-              <a:defRPr sz="1400" kern="1200">
-                <a:solidFill>
-                  <a:schemeClr val="tx1"/>
-                </a:solidFill>
-                <a:latin typeface="+mn-lt"/>
-                <a:ea typeface="+mn-ea"/>
-                <a:cs typeface="+mn-cs"/>
-              </a:defRPr>
-            </a:lvl7pPr>
-            <a:lvl8pPr marL="3429000" indent="-228600" algn="l" defTabSz="914400" rtl="0" eaLnBrk="1" latinLnBrk="0" hangingPunct="1">
-              <a:lnSpc>
-                <a:spcPct val="120000"/>
-              </a:lnSpc>
-              <a:spcBef>
-                <a:spcPts val="500"/>
-              </a:spcBef>
-              <a:buSzPct val="125000"/>
-              <a:buFont typeface="Arial" panose="020B0604020202020204" pitchFamily="34" charset="0"/>
-              <a:buChar char="•"/>
-              <a:defRPr sz="1400" kern="1200">
-                <a:solidFill>
-                  <a:schemeClr val="tx1"/>
-                </a:solidFill>
-                <a:latin typeface="+mn-lt"/>
-                <a:ea typeface="+mn-ea"/>
-                <a:cs typeface="+mn-cs"/>
-              </a:defRPr>
-            </a:lvl8pPr>
-            <a:lvl9pPr marL="3886200" indent="-228600" algn="l" defTabSz="914400" rtl="0" eaLnBrk="1" latinLnBrk="0" hangingPunct="1">
-              <a:lnSpc>
-                <a:spcPct val="120000"/>
-              </a:lnSpc>
-              <a:spcBef>
-                <a:spcPts val="500"/>
-              </a:spcBef>
-              <a:buSzPct val="125000"/>
-              <a:buFont typeface="Arial" panose="020B0604020202020204" pitchFamily="34" charset="0"/>
-              <a:buChar char="•"/>
-              <a:defRPr sz="1400" kern="1200">
-                <a:solidFill>
-                  <a:schemeClr val="tx1"/>
-                </a:solidFill>
-                <a:latin typeface="+mn-lt"/>
-                <a:ea typeface="+mn-ea"/>
-                <a:cs typeface="+mn-cs"/>
-              </a:defRPr>
-            </a:lvl9pPr>
-          </a:lstStyle>
-          <a:p>
-            <a:pPr marL="0" indent="0" algn="ctr">
-              <a:buFont typeface="Arial" panose="020B0604020202020204" pitchFamily="34" charset="0"/>
-              <a:buNone/>
-            </a:pPr>
-            <a:r>
-              <a:rPr lang="en-US" sz="3200" noProof="1" smtClean="0">
-                <a:solidFill>
-                  <a:schemeClr val="bg1"/>
-                </a:solidFill>
-                <a:effectLst>
-                  <a:outerShdw blurRad="38100" dist="38100" dir="2700000" algn="tl">
-                    <a:srgbClr val="000000">
-                      <a:alpha val="43137"/>
-                    </a:srgbClr>
-                  </a:outerShdw>
-                </a:effectLst>
-                <a:latin typeface="Segoe UI" panose="020B0502040204020203" pitchFamily="34" charset="0"/>
-                <a:cs typeface="Segoe UI" panose="020B0502040204020203" pitchFamily="34" charset="0"/>
-              </a:rPr>
-              <a:t>Kubernetes</a:t>
-            </a:r>
-          </a:p>
-        </p:txBody>
-      </p:sp>
-      <p:pic>
-        <p:nvPicPr>
-          <p:cNvPr id="2" name="Picture 1"/>
-          <p:cNvPicPr>
-            <a:picLocks noChangeAspect="1"/>
-          </p:cNvPicPr>
-          <p:nvPr/>
-        </p:nvPicPr>
         <p:blipFill>
           <a:blip r:embed="rId2">
             <a:extLst>
@@ -13786,7 +13442,7 @@
 </p:sld>
 </file>
 
-<file path=ppt/slides/slide12.xml><?xml version="1.0" encoding="utf-8"?>
+<file path=ppt/slides/slide11.xml><?xml version="1.0" encoding="utf-8"?>
 <p:sld xmlns:a="http://schemas.openxmlformats.org/drawingml/2006/main" xmlns:r="http://schemas.openxmlformats.org/officeDocument/2006/relationships" xmlns:p="http://schemas.openxmlformats.org/presentationml/2006/main">
   <p:cSld>
     <p:spTree>
@@ -14095,7 +13751,7 @@
 </p:sld>
 </file>
 
-<file path=ppt/slides/slide13.xml><?xml version="1.0" encoding="utf-8"?>
+<file path=ppt/slides/slide12.xml><?xml version="1.0" encoding="utf-8"?>
 <p:sld xmlns:a="http://schemas.openxmlformats.org/drawingml/2006/main" xmlns:r="http://schemas.openxmlformats.org/officeDocument/2006/relationships" xmlns:p="http://schemas.openxmlformats.org/presentationml/2006/main">
   <p:cSld>
     <p:spTree>
@@ -14391,7 +14047,7 @@
 </p:sld>
 </file>
 
-<file path=ppt/slides/slide14.xml><?xml version="1.0" encoding="utf-8"?>
+<file path=ppt/slides/slide13.xml><?xml version="1.0" encoding="utf-8"?>
 <p:sld xmlns:a="http://schemas.openxmlformats.org/drawingml/2006/main" xmlns:r="http://schemas.openxmlformats.org/officeDocument/2006/relationships" xmlns:p="http://schemas.openxmlformats.org/presentationml/2006/main">
   <p:cSld>
     <p:spTree>
@@ -14801,7 +14457,7 @@
 </p:sld>
 </file>
 
-<file path=ppt/slides/slide15.xml><?xml version="1.0" encoding="utf-8"?>
+<file path=ppt/slides/slide14.xml><?xml version="1.0" encoding="utf-8"?>
 <p:sld xmlns:a="http://schemas.openxmlformats.org/drawingml/2006/main" xmlns:r="http://schemas.openxmlformats.org/officeDocument/2006/relationships" xmlns:p="http://schemas.openxmlformats.org/presentationml/2006/main">
   <p:cSld>
     <p:spTree>
@@ -15110,7 +14766,7 @@
 </p:sld>
 </file>
 
-<file path=ppt/slides/slide16.xml><?xml version="1.0" encoding="utf-8"?>
+<file path=ppt/slides/slide15.xml><?xml version="1.0" encoding="utf-8"?>
 <p:sld xmlns:a="http://schemas.openxmlformats.org/drawingml/2006/main" xmlns:r="http://schemas.openxmlformats.org/officeDocument/2006/relationships" xmlns:p="http://schemas.openxmlformats.org/presentationml/2006/main">
   <p:cSld>
     <p:spTree>
@@ -16958,298 +16614,6 @@
         </p:nvSpPr>
         <p:spPr>
           <a:xfrm>
-            <a:off x="3114971" y="340657"/>
-            <a:ext cx="5513640" cy="1162579"/>
-          </a:xfrm>
-          <a:prstGeom prst="rect">
-            <a:avLst/>
-          </a:prstGeom>
-        </p:spPr>
-        <p:txBody>
-          <a:bodyPr vert="horz" lIns="91440" tIns="45720" rIns="91440" bIns="45720" rtlCol="0">
-            <a:normAutofit/>
-          </a:bodyPr>
-          <a:lstStyle>
-            <a:lvl1pPr marL="228600" indent="-228600" algn="l" defTabSz="914400" rtl="0" eaLnBrk="1" latinLnBrk="0" hangingPunct="1">
-              <a:lnSpc>
-                <a:spcPct val="120000"/>
-              </a:lnSpc>
-              <a:spcBef>
-                <a:spcPts val="1000"/>
-              </a:spcBef>
-              <a:buSzPct val="125000"/>
-              <a:buFont typeface="Arial" panose="020B0604020202020204" pitchFamily="34" charset="0"/>
-              <a:buChar char="•"/>
-              <a:defRPr sz="2400" kern="1200">
-                <a:solidFill>
-                  <a:schemeClr val="tx1"/>
-                </a:solidFill>
-                <a:latin typeface="+mn-lt"/>
-                <a:ea typeface="+mn-ea"/>
-                <a:cs typeface="+mn-cs"/>
-              </a:defRPr>
-            </a:lvl1pPr>
-            <a:lvl2pPr marL="685800" indent="-228600" algn="l" defTabSz="914400" rtl="0" eaLnBrk="1" latinLnBrk="0" hangingPunct="1">
-              <a:lnSpc>
-                <a:spcPct val="120000"/>
-              </a:lnSpc>
-              <a:spcBef>
-                <a:spcPts val="500"/>
-              </a:spcBef>
-              <a:buSzPct val="125000"/>
-              <a:buFont typeface="Arial" panose="020B0604020202020204" pitchFamily="34" charset="0"/>
-              <a:buChar char="•"/>
-              <a:defRPr sz="2000" kern="1200">
-                <a:solidFill>
-                  <a:schemeClr val="tx1"/>
-                </a:solidFill>
-                <a:latin typeface="+mn-lt"/>
-                <a:ea typeface="+mn-ea"/>
-                <a:cs typeface="+mn-cs"/>
-              </a:defRPr>
-            </a:lvl2pPr>
-            <a:lvl3pPr marL="1143000" indent="-228600" algn="l" defTabSz="914400" rtl="0" eaLnBrk="1" latinLnBrk="0" hangingPunct="1">
-              <a:lnSpc>
-                <a:spcPct val="120000"/>
-              </a:lnSpc>
-              <a:spcBef>
-                <a:spcPts val="500"/>
-              </a:spcBef>
-              <a:buSzPct val="125000"/>
-              <a:buFont typeface="Arial" panose="020B0604020202020204" pitchFamily="34" charset="0"/>
-              <a:buChar char="•"/>
-              <a:defRPr sz="1800" kern="1200">
-                <a:solidFill>
-                  <a:schemeClr val="tx1"/>
-                </a:solidFill>
-                <a:latin typeface="+mn-lt"/>
-                <a:ea typeface="+mn-ea"/>
-                <a:cs typeface="+mn-cs"/>
-              </a:defRPr>
-            </a:lvl3pPr>
-            <a:lvl4pPr marL="1600200" indent="-228600" algn="l" defTabSz="914400" rtl="0" eaLnBrk="1" latinLnBrk="0" hangingPunct="1">
-              <a:lnSpc>
-                <a:spcPct val="120000"/>
-              </a:lnSpc>
-              <a:spcBef>
-                <a:spcPts val="500"/>
-              </a:spcBef>
-              <a:buSzPct val="125000"/>
-              <a:buFont typeface="Arial" panose="020B0604020202020204" pitchFamily="34" charset="0"/>
-              <a:buChar char="•"/>
-              <a:defRPr sz="1600" kern="1200">
-                <a:solidFill>
-                  <a:schemeClr val="tx1"/>
-                </a:solidFill>
-                <a:latin typeface="+mn-lt"/>
-                <a:ea typeface="+mn-ea"/>
-                <a:cs typeface="+mn-cs"/>
-              </a:defRPr>
-            </a:lvl4pPr>
-            <a:lvl5pPr marL="2057400" indent="-228600" algn="l" defTabSz="914400" rtl="0" eaLnBrk="1" latinLnBrk="0" hangingPunct="1">
-              <a:lnSpc>
-                <a:spcPct val="120000"/>
-              </a:lnSpc>
-              <a:spcBef>
-                <a:spcPts val="500"/>
-              </a:spcBef>
-              <a:buSzPct val="125000"/>
-              <a:buFont typeface="Arial" panose="020B0604020202020204" pitchFamily="34" charset="0"/>
-              <a:buChar char="•"/>
-              <a:defRPr sz="1600" kern="1200">
-                <a:solidFill>
-                  <a:schemeClr val="tx1"/>
-                </a:solidFill>
-                <a:latin typeface="+mn-lt"/>
-                <a:ea typeface="+mn-ea"/>
-                <a:cs typeface="+mn-cs"/>
-              </a:defRPr>
-            </a:lvl5pPr>
-            <a:lvl6pPr marL="2514600" indent="-228600" algn="l" defTabSz="914400" rtl="0" eaLnBrk="1" latinLnBrk="0" hangingPunct="1">
-              <a:lnSpc>
-                <a:spcPct val="120000"/>
-              </a:lnSpc>
-              <a:spcBef>
-                <a:spcPts val="500"/>
-              </a:spcBef>
-              <a:buSzPct val="125000"/>
-              <a:buFont typeface="Arial" panose="020B0604020202020204" pitchFamily="34" charset="0"/>
-              <a:buChar char="•"/>
-              <a:defRPr sz="1400" kern="1200">
-                <a:solidFill>
-                  <a:schemeClr val="tx1"/>
-                </a:solidFill>
-                <a:latin typeface="+mn-lt"/>
-                <a:ea typeface="+mn-ea"/>
-                <a:cs typeface="+mn-cs"/>
-              </a:defRPr>
-            </a:lvl6pPr>
-            <a:lvl7pPr marL="2971800" indent="-228600" algn="l" defTabSz="914400" rtl="0" eaLnBrk="1" latinLnBrk="0" hangingPunct="1">
-              <a:lnSpc>
-                <a:spcPct val="120000"/>
-              </a:lnSpc>
-              <a:spcBef>
-                <a:spcPts val="500"/>
-              </a:spcBef>
-              <a:buSzPct val="125000"/>
-              <a:buFont typeface="Arial" panose="020B0604020202020204" pitchFamily="34" charset="0"/>
-              <a:buChar char="•"/>
-              <a:defRPr sz="1400" kern="1200">
-                <a:solidFill>
-                  <a:schemeClr val="tx1"/>
-                </a:solidFill>
-                <a:latin typeface="+mn-lt"/>
-                <a:ea typeface="+mn-ea"/>
-                <a:cs typeface="+mn-cs"/>
-              </a:defRPr>
-            </a:lvl7pPr>
-            <a:lvl8pPr marL="3429000" indent="-228600" algn="l" defTabSz="914400" rtl="0" eaLnBrk="1" latinLnBrk="0" hangingPunct="1">
-              <a:lnSpc>
-                <a:spcPct val="120000"/>
-              </a:lnSpc>
-              <a:spcBef>
-                <a:spcPts val="500"/>
-              </a:spcBef>
-              <a:buSzPct val="125000"/>
-              <a:buFont typeface="Arial" panose="020B0604020202020204" pitchFamily="34" charset="0"/>
-              <a:buChar char="•"/>
-              <a:defRPr sz="1400" kern="1200">
-                <a:solidFill>
-                  <a:schemeClr val="tx1"/>
-                </a:solidFill>
-                <a:latin typeface="+mn-lt"/>
-                <a:ea typeface="+mn-ea"/>
-                <a:cs typeface="+mn-cs"/>
-              </a:defRPr>
-            </a:lvl8pPr>
-            <a:lvl9pPr marL="3886200" indent="-228600" algn="l" defTabSz="914400" rtl="0" eaLnBrk="1" latinLnBrk="0" hangingPunct="1">
-              <a:lnSpc>
-                <a:spcPct val="120000"/>
-              </a:lnSpc>
-              <a:spcBef>
-                <a:spcPts val="500"/>
-              </a:spcBef>
-              <a:buSzPct val="125000"/>
-              <a:buFont typeface="Arial" panose="020B0604020202020204" pitchFamily="34" charset="0"/>
-              <a:buChar char="•"/>
-              <a:defRPr sz="1400" kern="1200">
-                <a:solidFill>
-                  <a:schemeClr val="tx1"/>
-                </a:solidFill>
-                <a:latin typeface="+mn-lt"/>
-                <a:ea typeface="+mn-ea"/>
-                <a:cs typeface="+mn-cs"/>
-              </a:defRPr>
-            </a:lvl9pPr>
-          </a:lstStyle>
-          <a:p>
-            <a:pPr marL="0" indent="0" algn="ctr">
-              <a:buFont typeface="Arial" panose="020B0604020202020204" pitchFamily="34" charset="0"/>
-              <a:buNone/>
-            </a:pPr>
-            <a:r>
-              <a:rPr lang="en-US" sz="3200" noProof="1" smtClean="0">
-                <a:solidFill>
-                  <a:schemeClr val="bg1"/>
-                </a:solidFill>
-                <a:effectLst>
-                  <a:outerShdw blurRad="38100" dist="38100" dir="2700000" algn="tl">
-                    <a:srgbClr val="000000">
-                      <a:alpha val="43137"/>
-                    </a:srgbClr>
-                  </a:outerShdw>
-                </a:effectLst>
-                <a:latin typeface="Segoe UI" panose="020B0502040204020203" pitchFamily="34" charset="0"/>
-                <a:cs typeface="Segoe UI" panose="020B0502040204020203" pitchFamily="34" charset="0"/>
-              </a:rPr>
-              <a:t>Sanal Makine  ve Docker Farkı</a:t>
-            </a:r>
-          </a:p>
-        </p:txBody>
-      </p:sp>
-      <p:pic>
-        <p:nvPicPr>
-          <p:cNvPr id="4" name="Picture 3"/>
-          <p:cNvPicPr>
-            <a:picLocks noChangeAspect="1"/>
-          </p:cNvPicPr>
-          <p:nvPr/>
-        </p:nvPicPr>
-        <p:blipFill>
-          <a:blip r:embed="rId2">
-            <a:extLst>
-              <a:ext uri="{28A0092B-C50C-407E-A947-70E740481C1C}">
-                <a14:useLocalDpi xmlns:a14="http://schemas.microsoft.com/office/drawing/2010/main" val="0"/>
-              </a:ext>
-            </a:extLst>
-          </a:blip>
-          <a:stretch>
-            <a:fillRect/>
-          </a:stretch>
-        </p:blipFill>
-        <p:spPr>
-          <a:xfrm>
-            <a:off x="2181880" y="1215348"/>
-            <a:ext cx="7695238" cy="4876190"/>
-          </a:xfrm>
-          <a:prstGeom prst="rect">
-            <a:avLst/>
-          </a:prstGeom>
-          <a:ln>
-            <a:noFill/>
-          </a:ln>
-          <a:effectLst>
-            <a:softEdge rad="112500"/>
-          </a:effectLst>
-        </p:spPr>
-      </p:pic>
-    </p:spTree>
-    <p:extLst>
-      <p:ext uri="{BB962C8B-B14F-4D97-AF65-F5344CB8AC3E}">
-        <p14:creationId xmlns:p14="http://schemas.microsoft.com/office/powerpoint/2010/main" val="2855947307"/>
-      </p:ext>
-    </p:extLst>
-  </p:cSld>
-  <p:clrMapOvr>
-    <a:masterClrMapping/>
-  </p:clrMapOvr>
-  <p:timing>
-    <p:tnLst>
-      <p:par>
-        <p:cTn id="1" dur="indefinite" restart="never" nodeType="tmRoot"/>
-      </p:par>
-    </p:tnLst>
-  </p:timing>
-</p:sld>
-</file>
-
-<file path=ppt/slides/slide7.xml><?xml version="1.0" encoding="utf-8"?>
-<p:sld xmlns:a="http://schemas.openxmlformats.org/drawingml/2006/main" xmlns:r="http://schemas.openxmlformats.org/officeDocument/2006/relationships" xmlns:p="http://schemas.openxmlformats.org/presentationml/2006/main">
-  <p:cSld>
-    <p:spTree>
-      <p:nvGrpSpPr>
-        <p:cNvPr id="1" name=""/>
-        <p:cNvGrpSpPr/>
-        <p:nvPr/>
-      </p:nvGrpSpPr>
-      <p:grpSpPr>
-        <a:xfrm>
-          <a:off x="0" y="0"/>
-          <a:ext cx="0" cy="0"/>
-          <a:chOff x="0" y="0"/>
-          <a:chExt cx="0" cy="0"/>
-        </a:xfrm>
-      </p:grpSpPr>
-      <p:sp>
-        <p:nvSpPr>
-          <p:cNvPr id="10" name="Content Placeholder 2"/>
-          <p:cNvSpPr txBox="1">
-            <a:spLocks/>
-          </p:cNvSpPr>
-          <p:nvPr/>
-        </p:nvSpPr>
-        <p:spPr>
-          <a:xfrm>
             <a:off x="3405915" y="279436"/>
             <a:ext cx="4815371" cy="1162579"/>
           </a:xfrm>
@@ -17532,7 +16896,7 @@
 </p:sld>
 </file>
 
-<file path=ppt/slides/slide8.xml><?xml version="1.0" encoding="utf-8"?>
+<file path=ppt/slides/slide7.xml><?xml version="1.0" encoding="utf-8"?>
 <p:sld xmlns:a="http://schemas.openxmlformats.org/drawingml/2006/main" xmlns:r="http://schemas.openxmlformats.org/officeDocument/2006/relationships" xmlns:p="http://schemas.openxmlformats.org/presentationml/2006/main">
   <p:cSld>
     <p:spTree>
@@ -17896,6 +17260,292 @@
 </p:sld>
 </file>
 
+<file path=ppt/slides/slide8.xml><?xml version="1.0" encoding="utf-8"?>
+<p:sld xmlns:a="http://schemas.openxmlformats.org/drawingml/2006/main" xmlns:r="http://schemas.openxmlformats.org/officeDocument/2006/relationships" xmlns:p="http://schemas.openxmlformats.org/presentationml/2006/main">
+  <p:cSld>
+    <p:spTree>
+      <p:nvGrpSpPr>
+        <p:cNvPr id="1" name=""/>
+        <p:cNvGrpSpPr/>
+        <p:nvPr/>
+      </p:nvGrpSpPr>
+      <p:grpSpPr>
+        <a:xfrm>
+          <a:off x="0" y="0"/>
+          <a:ext cx="0" cy="0"/>
+          <a:chOff x="0" y="0"/>
+          <a:chExt cx="0" cy="0"/>
+        </a:xfrm>
+      </p:grpSpPr>
+      <p:sp>
+        <p:nvSpPr>
+          <p:cNvPr id="10" name="Content Placeholder 2"/>
+          <p:cNvSpPr txBox="1">
+            <a:spLocks/>
+          </p:cNvSpPr>
+          <p:nvPr/>
+        </p:nvSpPr>
+        <p:spPr>
+          <a:xfrm>
+            <a:off x="3405915" y="279436"/>
+            <a:ext cx="4815371" cy="1162579"/>
+          </a:xfrm>
+          <a:prstGeom prst="rect">
+            <a:avLst/>
+          </a:prstGeom>
+        </p:spPr>
+        <p:txBody>
+          <a:bodyPr vert="horz" lIns="91440" tIns="45720" rIns="91440" bIns="45720" rtlCol="0">
+            <a:normAutofit/>
+          </a:bodyPr>
+          <a:lstStyle>
+            <a:lvl1pPr marL="228600" indent="-228600" algn="l" defTabSz="914400" rtl="0" eaLnBrk="1" latinLnBrk="0" hangingPunct="1">
+              <a:lnSpc>
+                <a:spcPct val="120000"/>
+              </a:lnSpc>
+              <a:spcBef>
+                <a:spcPts val="1000"/>
+              </a:spcBef>
+              <a:buSzPct val="125000"/>
+              <a:buFont typeface="Arial" panose="020B0604020202020204" pitchFamily="34" charset="0"/>
+              <a:buChar char="•"/>
+              <a:defRPr sz="2400" kern="1200">
+                <a:solidFill>
+                  <a:schemeClr val="tx1"/>
+                </a:solidFill>
+                <a:latin typeface="+mn-lt"/>
+                <a:ea typeface="+mn-ea"/>
+                <a:cs typeface="+mn-cs"/>
+              </a:defRPr>
+            </a:lvl1pPr>
+            <a:lvl2pPr marL="685800" indent="-228600" algn="l" defTabSz="914400" rtl="0" eaLnBrk="1" latinLnBrk="0" hangingPunct="1">
+              <a:lnSpc>
+                <a:spcPct val="120000"/>
+              </a:lnSpc>
+              <a:spcBef>
+                <a:spcPts val="500"/>
+              </a:spcBef>
+              <a:buSzPct val="125000"/>
+              <a:buFont typeface="Arial" panose="020B0604020202020204" pitchFamily="34" charset="0"/>
+              <a:buChar char="•"/>
+              <a:defRPr sz="2000" kern="1200">
+                <a:solidFill>
+                  <a:schemeClr val="tx1"/>
+                </a:solidFill>
+                <a:latin typeface="+mn-lt"/>
+                <a:ea typeface="+mn-ea"/>
+                <a:cs typeface="+mn-cs"/>
+              </a:defRPr>
+            </a:lvl2pPr>
+            <a:lvl3pPr marL="1143000" indent="-228600" algn="l" defTabSz="914400" rtl="0" eaLnBrk="1" latinLnBrk="0" hangingPunct="1">
+              <a:lnSpc>
+                <a:spcPct val="120000"/>
+              </a:lnSpc>
+              <a:spcBef>
+                <a:spcPts val="500"/>
+              </a:spcBef>
+              <a:buSzPct val="125000"/>
+              <a:buFont typeface="Arial" panose="020B0604020202020204" pitchFamily="34" charset="0"/>
+              <a:buChar char="•"/>
+              <a:defRPr sz="1800" kern="1200">
+                <a:solidFill>
+                  <a:schemeClr val="tx1"/>
+                </a:solidFill>
+                <a:latin typeface="+mn-lt"/>
+                <a:ea typeface="+mn-ea"/>
+                <a:cs typeface="+mn-cs"/>
+              </a:defRPr>
+            </a:lvl3pPr>
+            <a:lvl4pPr marL="1600200" indent="-228600" algn="l" defTabSz="914400" rtl="0" eaLnBrk="1" latinLnBrk="0" hangingPunct="1">
+              <a:lnSpc>
+                <a:spcPct val="120000"/>
+              </a:lnSpc>
+              <a:spcBef>
+                <a:spcPts val="500"/>
+              </a:spcBef>
+              <a:buSzPct val="125000"/>
+              <a:buFont typeface="Arial" panose="020B0604020202020204" pitchFamily="34" charset="0"/>
+              <a:buChar char="•"/>
+              <a:defRPr sz="1600" kern="1200">
+                <a:solidFill>
+                  <a:schemeClr val="tx1"/>
+                </a:solidFill>
+                <a:latin typeface="+mn-lt"/>
+                <a:ea typeface="+mn-ea"/>
+                <a:cs typeface="+mn-cs"/>
+              </a:defRPr>
+            </a:lvl4pPr>
+            <a:lvl5pPr marL="2057400" indent="-228600" algn="l" defTabSz="914400" rtl="0" eaLnBrk="1" latinLnBrk="0" hangingPunct="1">
+              <a:lnSpc>
+                <a:spcPct val="120000"/>
+              </a:lnSpc>
+              <a:spcBef>
+                <a:spcPts val="500"/>
+              </a:spcBef>
+              <a:buSzPct val="125000"/>
+              <a:buFont typeface="Arial" panose="020B0604020202020204" pitchFamily="34" charset="0"/>
+              <a:buChar char="•"/>
+              <a:defRPr sz="1600" kern="1200">
+                <a:solidFill>
+                  <a:schemeClr val="tx1"/>
+                </a:solidFill>
+                <a:latin typeface="+mn-lt"/>
+                <a:ea typeface="+mn-ea"/>
+                <a:cs typeface="+mn-cs"/>
+              </a:defRPr>
+            </a:lvl5pPr>
+            <a:lvl6pPr marL="2514600" indent="-228600" algn="l" defTabSz="914400" rtl="0" eaLnBrk="1" latinLnBrk="0" hangingPunct="1">
+              <a:lnSpc>
+                <a:spcPct val="120000"/>
+              </a:lnSpc>
+              <a:spcBef>
+                <a:spcPts val="500"/>
+              </a:spcBef>
+              <a:buSzPct val="125000"/>
+              <a:buFont typeface="Arial" panose="020B0604020202020204" pitchFamily="34" charset="0"/>
+              <a:buChar char="•"/>
+              <a:defRPr sz="1400" kern="1200">
+                <a:solidFill>
+                  <a:schemeClr val="tx1"/>
+                </a:solidFill>
+                <a:latin typeface="+mn-lt"/>
+                <a:ea typeface="+mn-ea"/>
+                <a:cs typeface="+mn-cs"/>
+              </a:defRPr>
+            </a:lvl6pPr>
+            <a:lvl7pPr marL="2971800" indent="-228600" algn="l" defTabSz="914400" rtl="0" eaLnBrk="1" latinLnBrk="0" hangingPunct="1">
+              <a:lnSpc>
+                <a:spcPct val="120000"/>
+              </a:lnSpc>
+              <a:spcBef>
+                <a:spcPts val="500"/>
+              </a:spcBef>
+              <a:buSzPct val="125000"/>
+              <a:buFont typeface="Arial" panose="020B0604020202020204" pitchFamily="34" charset="0"/>
+              <a:buChar char="•"/>
+              <a:defRPr sz="1400" kern="1200">
+                <a:solidFill>
+                  <a:schemeClr val="tx1"/>
+                </a:solidFill>
+                <a:latin typeface="+mn-lt"/>
+                <a:ea typeface="+mn-ea"/>
+                <a:cs typeface="+mn-cs"/>
+              </a:defRPr>
+            </a:lvl7pPr>
+            <a:lvl8pPr marL="3429000" indent="-228600" algn="l" defTabSz="914400" rtl="0" eaLnBrk="1" latinLnBrk="0" hangingPunct="1">
+              <a:lnSpc>
+                <a:spcPct val="120000"/>
+              </a:lnSpc>
+              <a:spcBef>
+                <a:spcPts val="500"/>
+              </a:spcBef>
+              <a:buSzPct val="125000"/>
+              <a:buFont typeface="Arial" panose="020B0604020202020204" pitchFamily="34" charset="0"/>
+              <a:buChar char="•"/>
+              <a:defRPr sz="1400" kern="1200">
+                <a:solidFill>
+                  <a:schemeClr val="tx1"/>
+                </a:solidFill>
+                <a:latin typeface="+mn-lt"/>
+                <a:ea typeface="+mn-ea"/>
+                <a:cs typeface="+mn-cs"/>
+              </a:defRPr>
+            </a:lvl8pPr>
+            <a:lvl9pPr marL="3886200" indent="-228600" algn="l" defTabSz="914400" rtl="0" eaLnBrk="1" latinLnBrk="0" hangingPunct="1">
+              <a:lnSpc>
+                <a:spcPct val="120000"/>
+              </a:lnSpc>
+              <a:spcBef>
+                <a:spcPts val="500"/>
+              </a:spcBef>
+              <a:buSzPct val="125000"/>
+              <a:buFont typeface="Arial" panose="020B0604020202020204" pitchFamily="34" charset="0"/>
+              <a:buChar char="•"/>
+              <a:defRPr sz="1400" kern="1200">
+                <a:solidFill>
+                  <a:schemeClr val="tx1"/>
+                </a:solidFill>
+                <a:latin typeface="+mn-lt"/>
+                <a:ea typeface="+mn-ea"/>
+                <a:cs typeface="+mn-cs"/>
+              </a:defRPr>
+            </a:lvl9pPr>
+          </a:lstStyle>
+          <a:p>
+            <a:pPr marL="0" indent="0" algn="ctr">
+              <a:buFont typeface="Arial" panose="020B0604020202020204" pitchFamily="34" charset="0"/>
+              <a:buNone/>
+            </a:pPr>
+            <a:r>
+              <a:rPr lang="en-US" sz="3200" noProof="1" smtClean="0">
+                <a:solidFill>
+                  <a:schemeClr val="bg1"/>
+                </a:solidFill>
+                <a:effectLst>
+                  <a:outerShdw blurRad="38100" dist="38100" dir="2700000" algn="tl">
+                    <a:srgbClr val="000000">
+                      <a:alpha val="43137"/>
+                    </a:srgbClr>
+                  </a:outerShdw>
+                </a:effectLst>
+                <a:latin typeface="Segoe UI" panose="020B0502040204020203" pitchFamily="34" charset="0"/>
+                <a:cs typeface="Segoe UI" panose="020B0502040204020203" pitchFamily="34" charset="0"/>
+              </a:rPr>
+              <a:t>Kubernetes</a:t>
+            </a:r>
+          </a:p>
+        </p:txBody>
+      </p:sp>
+      <p:pic>
+        <p:nvPicPr>
+          <p:cNvPr id="3" name="Picture 2"/>
+          <p:cNvPicPr>
+            <a:picLocks noChangeAspect="1"/>
+          </p:cNvPicPr>
+          <p:nvPr/>
+        </p:nvPicPr>
+        <p:blipFill>
+          <a:blip r:embed="rId2">
+            <a:extLst>
+              <a:ext uri="{28A0092B-C50C-407E-A947-70E740481C1C}">
+                <a14:useLocalDpi xmlns:a14="http://schemas.microsoft.com/office/drawing/2010/main" val="0"/>
+              </a:ext>
+            </a:extLst>
+          </a:blip>
+          <a:stretch>
+            <a:fillRect/>
+          </a:stretch>
+        </p:blipFill>
+        <p:spPr>
+          <a:xfrm>
+            <a:off x="1824901" y="1744980"/>
+            <a:ext cx="7977397" cy="3467100"/>
+          </a:xfrm>
+          <a:prstGeom prst="rect">
+            <a:avLst/>
+          </a:prstGeom>
+        </p:spPr>
+      </p:pic>
+    </p:spTree>
+    <p:extLst>
+      <p:ext uri="{BB962C8B-B14F-4D97-AF65-F5344CB8AC3E}">
+        <p14:creationId xmlns:p14="http://schemas.microsoft.com/office/powerpoint/2010/main" val="1114077454"/>
+      </p:ext>
+    </p:extLst>
+  </p:cSld>
+  <p:clrMapOvr>
+    <a:masterClrMapping/>
+  </p:clrMapOvr>
+  <p:timing>
+    <p:tnLst>
+      <p:par>
+        <p:cTn id="1" dur="indefinite" restart="never" nodeType="tmRoot"/>
+      </p:par>
+    </p:tnLst>
+  </p:timing>
+</p:sld>
+</file>
+
 <file path=ppt/slides/slide9.xml><?xml version="1.0" encoding="utf-8"?>
 <p:sld xmlns:a="http://schemas.openxmlformats.org/drawingml/2006/main" xmlns:r="http://schemas.openxmlformats.org/officeDocument/2006/relationships" xmlns:p="http://schemas.openxmlformats.org/presentationml/2006/main">
   <p:cSld>
@@ -18134,13 +17784,13 @@
       </p:sp>
       <p:pic>
         <p:nvPicPr>
-          <p:cNvPr id="3" name="Picture 2"/>
+          <p:cNvPr id="2" name="Picture 1"/>
           <p:cNvPicPr>
             <a:picLocks noChangeAspect="1"/>
           </p:cNvPicPr>
           <p:nvPr/>
         </p:nvPicPr>
-        <p:blipFill>
+        <p:blipFill rotWithShape="1">
           <a:blip r:embed="rId2">
             <a:extLst>
               <a:ext uri="{28A0092B-C50C-407E-A947-70E740481C1C}">
@@ -18148,14 +17798,71 @@
               </a:ext>
             </a:extLst>
           </a:blip>
-          <a:stretch>
-            <a:fillRect/>
-          </a:stretch>
+          <a:srcRect t="364" b="69454"/>
+          <a:stretch/>
         </p:blipFill>
         <p:spPr>
           <a:xfrm>
-            <a:off x="1824901" y="1744980"/>
-            <a:ext cx="7977397" cy="3467100"/>
+            <a:off x="833875" y="2485504"/>
+            <a:ext cx="3009545" cy="2069869"/>
+          </a:xfrm>
+          <a:prstGeom prst="rect">
+            <a:avLst/>
+          </a:prstGeom>
+        </p:spPr>
+      </p:pic>
+      <p:pic>
+        <p:nvPicPr>
+          <p:cNvPr id="4" name="Picture 3"/>
+          <p:cNvPicPr>
+            <a:picLocks noChangeAspect="1"/>
+          </p:cNvPicPr>
+          <p:nvPr/>
+        </p:nvPicPr>
+        <p:blipFill rotWithShape="1">
+          <a:blip r:embed="rId2">
+            <a:extLst>
+              <a:ext uri="{28A0092B-C50C-407E-A947-70E740481C1C}">
+                <a14:useLocalDpi xmlns:a14="http://schemas.microsoft.com/office/drawing/2010/main" val="0"/>
+              </a:ext>
+            </a:extLst>
+          </a:blip>
+          <a:srcRect t="31273" b="31878"/>
+          <a:stretch/>
+        </p:blipFill>
+        <p:spPr>
+          <a:xfrm>
+            <a:off x="4200529" y="2256903"/>
+            <a:ext cx="3009545" cy="2527069"/>
+          </a:xfrm>
+          <a:prstGeom prst="rect">
+            <a:avLst/>
+          </a:prstGeom>
+        </p:spPr>
+      </p:pic>
+      <p:pic>
+        <p:nvPicPr>
+          <p:cNvPr id="5" name="Picture 4"/>
+          <p:cNvPicPr>
+            <a:picLocks noChangeAspect="1"/>
+          </p:cNvPicPr>
+          <p:nvPr/>
+        </p:nvPicPr>
+        <p:blipFill rotWithShape="1">
+          <a:blip r:embed="rId2">
+            <a:extLst>
+              <a:ext uri="{28A0092B-C50C-407E-A947-70E740481C1C}">
+                <a14:useLocalDpi xmlns:a14="http://schemas.microsoft.com/office/drawing/2010/main" val="0"/>
+              </a:ext>
+            </a:extLst>
+          </a:blip>
+          <a:srcRect t="69697"/>
+          <a:stretch/>
+        </p:blipFill>
+        <p:spPr>
+          <a:xfrm>
+            <a:off x="7576794" y="2132211"/>
+            <a:ext cx="4020755" cy="2776452"/>
           </a:xfrm>
           <a:prstGeom prst="rect">
             <a:avLst/>
@@ -18165,7 +17872,7 @@
     </p:spTree>
     <p:extLst>
       <p:ext uri="{BB962C8B-B14F-4D97-AF65-F5344CB8AC3E}">
-        <p14:creationId xmlns:p14="http://schemas.microsoft.com/office/powerpoint/2010/main" val="1114077454"/>
+        <p14:creationId xmlns:p14="http://schemas.microsoft.com/office/powerpoint/2010/main" val="3542887869"/>
       </p:ext>
     </p:extLst>
   </p:cSld>
